--- a/administration/UniSport.pptx
+++ b/administration/UniSport.pptx
@@ -5,19 +5,22 @@
     <p:sldMasterId id="2147483648" r:id="rId4"/>
   </p:sldMasterIdLst>
   <p:notesMasterIdLst>
-    <p:notesMasterId r:id="rId7"/>
+    <p:notesMasterId r:id="rId10"/>
   </p:notesMasterIdLst>
   <p:handoutMasterIdLst>
-    <p:handoutMasterId r:id="rId8"/>
+    <p:handoutMasterId r:id="rId11"/>
   </p:handoutMasterIdLst>
   <p:sldIdLst>
     <p:sldId id="265" r:id="rId5"/>
-    <p:sldId id="310" r:id="rId6"/>
+    <p:sldId id="311" r:id="rId6"/>
+    <p:sldId id="312" r:id="rId7"/>
+    <p:sldId id="314" r:id="rId8"/>
+    <p:sldId id="310" r:id="rId9"/>
   </p:sldIdLst>
   <p:sldSz cx="12188825" cy="6858000"/>
   <p:notesSz cx="6858000" cy="9144000"/>
   <p:custDataLst>
-    <p:tags r:id="rId9"/>
+    <p:tags r:id="rId12"/>
   </p:custDataLst>
   <p:defaultTextStyle>
     <a:defPPr rtl="0">
@@ -225,7 +228,7 @@
             <a:fld id="{115D25CC-CE2B-44FC-97DA-587FCC13922E}" type="datetime1">
               <a:rPr lang="de-DE" smtClean="0"/>
               <a:pPr algn="r" rtl="0"/>
-              <a:t>27.10.2017</a:t>
+              <a:t>02.11.2017</a:t>
             </a:fld>
             <a:endParaRPr lang="de-DE" dirty="0"/>
           </a:p>
@@ -395,7 +398,7 @@
             <a:fld id="{E832C949-ED9C-45D4-8A60-90C89D3B8584}" type="datetime1">
               <a:rPr lang="de-DE" smtClean="0"/>
               <a:pPr/>
-              <a:t>27.10.2017</a:t>
+              <a:t>02.11.2017</a:t>
             </a:fld>
             <a:endParaRPr lang="de-DE" dirty="0"/>
           </a:p>
@@ -1004,7 +1007,7 @@
             <a:fld id="{A189E67C-9D02-45EC-B214-7132036CA0E2}" type="datetime1">
               <a:rPr lang="de-DE" noProof="0" smtClean="0"/>
               <a:pPr/>
-              <a:t>27.10.2017</a:t>
+              <a:t>02.11.2017</a:t>
             </a:fld>
             <a:endParaRPr lang="de-DE" noProof="0" dirty="0"/>
           </a:p>
@@ -1207,7 +1210,7 @@
             <a:fld id="{270FAB6A-C057-4550-9260-DE7EF7F686AF}" type="datetime1">
               <a:rPr lang="de-DE" noProof="0" smtClean="0"/>
               <a:pPr/>
-              <a:t>27.10.2017</a:t>
+              <a:t>02.11.2017</a:t>
             </a:fld>
             <a:endParaRPr lang="de-DE" noProof="0" dirty="0"/>
           </a:p>
@@ -1403,7 +1406,7 @@
             <a:fld id="{0C3BEA5D-0888-4F93-8E94-34D310102D57}" type="datetime1">
               <a:rPr lang="de-DE" smtClean="0"/>
               <a:pPr/>
-              <a:t>27.10.2017</a:t>
+              <a:t>02.11.2017</a:t>
             </a:fld>
             <a:endParaRPr lang="de-DE" dirty="0"/>
           </a:p>
@@ -1691,7 +1694,7 @@
             <a:fld id="{BAC737EE-66BB-4D7F-898E-CF1D06F8E110}" type="datetime1">
               <a:rPr lang="de-DE" smtClean="0"/>
               <a:pPr/>
-              <a:t>27.10.2017</a:t>
+              <a:t>02.11.2017</a:t>
             </a:fld>
             <a:endParaRPr lang="de-DE" dirty="0"/>
           </a:p>
@@ -2001,7 +2004,7 @@
             <a:fld id="{8B789056-64C5-46DE-95B1-DA257F473F68}" type="datetime1">
               <a:rPr lang="de-DE" smtClean="0"/>
               <a:pPr/>
-              <a:t>27.10.2017</a:t>
+              <a:t>02.11.2017</a:t>
             </a:fld>
             <a:r>
               <a:rPr lang="de-DE" dirty="0"/>
@@ -2466,7 +2469,7 @@
             <a:fld id="{80BFF739-A1FF-4B0F-A80D-4A7600AF59B6}" type="datetime1">
               <a:rPr lang="de-DE" noProof="0" smtClean="0"/>
               <a:pPr/>
-              <a:t>27.10.2017</a:t>
+              <a:t>02.11.2017</a:t>
             </a:fld>
             <a:endParaRPr lang="de-DE" noProof="0" dirty="0"/>
           </a:p>
@@ -2604,7 +2607,7 @@
             <a:fld id="{B9B1CAE9-9EFE-4152-8504-84F83B03DD44}" type="datetime1">
               <a:rPr lang="de-DE" smtClean="0"/>
               <a:pPr/>
-              <a:t>27.10.2017</a:t>
+              <a:t>02.11.2017</a:t>
             </a:fld>
             <a:endParaRPr lang="de-DE" dirty="0"/>
           </a:p>
@@ -2726,7 +2729,7 @@
             <a:fld id="{16AF6054-D64A-4276-A67A-52D6E88FBE84}" type="datetime1">
               <a:rPr lang="de-DE" smtClean="0"/>
               <a:pPr/>
-              <a:t>27.10.2017</a:t>
+              <a:t>02.11.2017</a:t>
             </a:fld>
             <a:endParaRPr lang="de-DE" dirty="0"/>
           </a:p>
@@ -3055,7 +3058,7 @@
             <a:fld id="{B5374C35-0B4F-422D-B236-94C4FF2C6562}" type="datetime1">
               <a:rPr lang="de-DE" noProof="0" smtClean="0"/>
               <a:pPr/>
-              <a:t>27.10.2017</a:t>
+              <a:t>02.11.2017</a:t>
             </a:fld>
             <a:endParaRPr lang="de-DE" noProof="0" dirty="0"/>
           </a:p>
@@ -3375,7 +3378,7 @@
             <a:fld id="{58041F81-F908-46F2-978C-0D5782D2F71E}" type="datetime1">
               <a:rPr lang="de-DE" noProof="0" smtClean="0"/>
               <a:pPr/>
-              <a:t>27.10.2017</a:t>
+              <a:t>02.11.2017</a:t>
             </a:fld>
             <a:endParaRPr lang="de-DE" noProof="0" dirty="0"/>
           </a:p>
@@ -3612,7 +3615,7 @@
             <a:fld id="{73868FAC-1E42-46E2-B290-2D4CF62A4174}" type="datetime1">
               <a:rPr lang="de-DE" smtClean="0"/>
               <a:pPr/>
-              <a:t>27.10.2017</a:t>
+              <a:t>02.11.2017</a:t>
             </a:fld>
             <a:endParaRPr lang="de-DE" dirty="0"/>
           </a:p>
@@ -4169,6 +4172,1370 @@
 </file>
 
 <file path=ppt/slides/slide2.xml><?xml version="1.0" encoding="utf-8"?>
+<p:sld xmlns:a="http://schemas.openxmlformats.org/drawingml/2006/main" xmlns:r="http://schemas.openxmlformats.org/officeDocument/2006/relationships" xmlns:p="http://schemas.openxmlformats.org/presentationml/2006/main">
+  <p:cSld>
+    <p:spTree>
+      <p:nvGrpSpPr>
+        <p:cNvPr id="1" name=""/>
+        <p:cNvGrpSpPr/>
+        <p:nvPr/>
+      </p:nvGrpSpPr>
+      <p:grpSpPr>
+        <a:xfrm>
+          <a:off x="0" y="0"/>
+          <a:ext cx="0" cy="0"/>
+          <a:chOff x="0" y="0"/>
+          <a:chExt cx="0" cy="0"/>
+        </a:xfrm>
+      </p:grpSpPr>
+      <p:sp>
+        <p:nvSpPr>
+          <p:cNvPr id="2" name="Titel 1">
+            <a:extLst>
+              <a:ext uri="{FF2B5EF4-FFF2-40B4-BE49-F238E27FC236}">
+                <a16:creationId xmlns:a16="http://schemas.microsoft.com/office/drawing/2014/main" id="{D77C75FF-A437-4E06-B755-AE44EE7F7915}"/>
+              </a:ext>
+            </a:extLst>
+          </p:cNvPr>
+          <p:cNvSpPr>
+            <a:spLocks noGrp="1"/>
+          </p:cNvSpPr>
+          <p:nvPr>
+            <p:ph type="title"/>
+          </p:nvPr>
+        </p:nvSpPr>
+        <p:spPr/>
+        <p:txBody>
+          <a:bodyPr/>
+          <a:lstStyle/>
+          <a:p>
+            <a:r>
+              <a:rPr lang="de-DE" dirty="0"/>
+              <a:t>M</a:t>
+            </a:r>
+            <a:r>
+              <a:rPr lang="en-CH" dirty="0"/>
+              <a:t>a</a:t>
+            </a:r>
+            <a:r>
+              <a:rPr lang="de-DE" dirty="0"/>
+              <a:t>i</a:t>
+            </a:r>
+            <a:r>
+              <a:rPr lang="en-CH" dirty="0"/>
+              <a:t>n </a:t>
+            </a:r>
+            <a:r>
+              <a:rPr lang="de-DE" dirty="0"/>
+              <a:t>F</a:t>
+            </a:r>
+            <a:r>
+              <a:rPr lang="en-CH" dirty="0"/>
+              <a:t>u</a:t>
+            </a:r>
+            <a:r>
+              <a:rPr lang="de-DE" dirty="0"/>
+              <a:t>n</a:t>
+            </a:r>
+            <a:r>
+              <a:rPr lang="en-CH" dirty="0" err="1"/>
+              <a:t>ctionalities</a:t>
+            </a:r>
+            <a:endParaRPr lang="en-CH" dirty="0"/>
+          </a:p>
+        </p:txBody>
+      </p:sp>
+      <p:sp>
+        <p:nvSpPr>
+          <p:cNvPr id="3" name="Inhaltsplatzhalter 2">
+            <a:extLst>
+              <a:ext uri="{FF2B5EF4-FFF2-40B4-BE49-F238E27FC236}">
+                <a16:creationId xmlns:a16="http://schemas.microsoft.com/office/drawing/2014/main" id="{9A180664-24C5-4A56-9FA4-C500ED3EB190}"/>
+              </a:ext>
+            </a:extLst>
+          </p:cNvPr>
+          <p:cNvSpPr>
+            <a:spLocks noGrp="1"/>
+          </p:cNvSpPr>
+          <p:nvPr>
+            <p:ph idx="1"/>
+          </p:nvPr>
+        </p:nvSpPr>
+        <p:spPr/>
+        <p:txBody>
+          <a:bodyPr>
+            <a:normAutofit/>
+          </a:bodyPr>
+          <a:lstStyle/>
+          <a:p>
+            <a:r>
+              <a:rPr lang="en-CH" dirty="0"/>
+              <a:t>S</a:t>
+            </a:r>
+            <a:r>
+              <a:rPr lang="de-DE" dirty="0"/>
+              <a:t>o</a:t>
+            </a:r>
+            <a:r>
+              <a:rPr lang="en-CH" dirty="0"/>
+              <a:t>p</a:t>
+            </a:r>
+            <a:r>
+              <a:rPr lang="de-DE" dirty="0"/>
+              <a:t>h</a:t>
+            </a:r>
+            <a:r>
+              <a:rPr lang="en-CH" dirty="0" err="1"/>
+              <a:t>i</a:t>
+            </a:r>
+            <a:r>
+              <a:rPr lang="de-DE" dirty="0"/>
+              <a:t>s</a:t>
+            </a:r>
+            <a:r>
+              <a:rPr lang="en-CH" dirty="0"/>
+              <a:t>t</a:t>
+            </a:r>
+            <a:r>
+              <a:rPr lang="de-DE" dirty="0"/>
+              <a:t>i</a:t>
+            </a:r>
+            <a:r>
+              <a:rPr lang="en-CH" dirty="0"/>
+              <a:t>c</a:t>
+            </a:r>
+            <a:r>
+              <a:rPr lang="de-DE" dirty="0"/>
+              <a:t>a</a:t>
+            </a:r>
+            <a:r>
+              <a:rPr lang="en-CH" dirty="0"/>
+              <a:t>t</a:t>
+            </a:r>
+            <a:r>
+              <a:rPr lang="de-DE" dirty="0"/>
+              <a:t>e</a:t>
+            </a:r>
+            <a:r>
+              <a:rPr lang="en-CH" dirty="0"/>
+              <a:t>d se</a:t>
+            </a:r>
+            <a:r>
+              <a:rPr lang="de-DE" dirty="0"/>
+              <a:t>a</a:t>
+            </a:r>
+            <a:r>
+              <a:rPr lang="en-CH" dirty="0"/>
+              <a:t>r</a:t>
+            </a:r>
+            <a:r>
+              <a:rPr lang="de-DE" dirty="0"/>
+              <a:t>c</a:t>
+            </a:r>
+            <a:r>
+              <a:rPr lang="en-CH" dirty="0"/>
+              <a:t>h to</a:t>
+            </a:r>
+            <a:r>
+              <a:rPr lang="de-DE" dirty="0"/>
+              <a:t>o</a:t>
+            </a:r>
+            <a:r>
+              <a:rPr lang="en-CH" dirty="0"/>
+              <a:t>l</a:t>
+            </a:r>
+          </a:p>
+          <a:p>
+            <a:r>
+              <a:rPr lang="de-DE" dirty="0"/>
+              <a:t>R</a:t>
+            </a:r>
+            <a:r>
+              <a:rPr lang="en-CH" dirty="0"/>
+              <a:t>e</a:t>
+            </a:r>
+            <a:r>
+              <a:rPr lang="de-DE" dirty="0"/>
+              <a:t>s</a:t>
+            </a:r>
+            <a:r>
+              <a:rPr lang="en-CH" dirty="0"/>
+              <a:t>e</a:t>
+            </a:r>
+            <a:r>
+              <a:rPr lang="de-DE" dirty="0"/>
+              <a:t>r</a:t>
+            </a:r>
+            <a:r>
+              <a:rPr lang="en-CH" dirty="0"/>
+              <a:t>v</a:t>
+            </a:r>
+            <a:r>
+              <a:rPr lang="de-DE" dirty="0"/>
+              <a:t>e</a:t>
+            </a:r>
+            <a:r>
+              <a:rPr lang="en-CH" dirty="0"/>
+              <a:t> courses</a:t>
+            </a:r>
+          </a:p>
+          <a:p>
+            <a:r>
+              <a:rPr lang="en-CH" dirty="0"/>
+              <a:t>S</a:t>
+            </a:r>
+            <a:r>
+              <a:rPr lang="de-DE" dirty="0"/>
+              <a:t>e</a:t>
+            </a:r>
+            <a:r>
+              <a:rPr lang="en-CH" dirty="0"/>
+              <a:t>e </a:t>
+            </a:r>
+            <a:r>
+              <a:rPr lang="de-DE" dirty="0"/>
+              <a:t>l</a:t>
+            </a:r>
+            <a:r>
+              <a:rPr lang="en-CH" dirty="0"/>
+              <a:t>o</a:t>
+            </a:r>
+            <a:r>
+              <a:rPr lang="de-DE" dirty="0"/>
+              <a:t>c</a:t>
+            </a:r>
+            <a:r>
+              <a:rPr lang="en-CH" dirty="0"/>
+              <a:t>a</a:t>
+            </a:r>
+            <a:r>
+              <a:rPr lang="de-DE" dirty="0"/>
+              <a:t>t</a:t>
+            </a:r>
+            <a:r>
+              <a:rPr lang="en-CH" dirty="0" err="1"/>
+              <a:t>i</a:t>
+            </a:r>
+            <a:r>
+              <a:rPr lang="de-DE" dirty="0"/>
+              <a:t>o</a:t>
+            </a:r>
+            <a:r>
+              <a:rPr lang="en-CH" dirty="0"/>
+              <a:t>n </a:t>
+            </a:r>
+            <a:r>
+              <a:rPr lang="de-DE" dirty="0"/>
+              <a:t>o</a:t>
+            </a:r>
+            <a:r>
+              <a:rPr lang="en-CH" dirty="0"/>
+              <a:t>f </a:t>
+            </a:r>
+            <a:r>
+              <a:rPr lang="de-DE" dirty="0"/>
+              <a:t>c</a:t>
+            </a:r>
+            <a:r>
+              <a:rPr lang="en-CH" dirty="0"/>
+              <a:t>o</a:t>
+            </a:r>
+            <a:r>
+              <a:rPr lang="de-DE" dirty="0"/>
+              <a:t>u</a:t>
+            </a:r>
+            <a:r>
+              <a:rPr lang="en-CH" dirty="0"/>
+              <a:t>r</a:t>
+            </a:r>
+            <a:r>
+              <a:rPr lang="de-DE" dirty="0"/>
+              <a:t>s</a:t>
+            </a:r>
+            <a:r>
+              <a:rPr lang="en-CH" dirty="0"/>
+              <a:t>e</a:t>
+            </a:r>
+            <a:r>
+              <a:rPr lang="de-DE" dirty="0"/>
+              <a:t>s</a:t>
+            </a:r>
+            <a:r>
+              <a:rPr lang="en-CH" dirty="0"/>
+              <a:t> </a:t>
+            </a:r>
+            <a:r>
+              <a:rPr lang="de-DE" dirty="0"/>
+              <a:t>o</a:t>
+            </a:r>
+            <a:r>
+              <a:rPr lang="en-CH" dirty="0"/>
+              <a:t>n map</a:t>
+            </a:r>
+          </a:p>
+          <a:p>
+            <a:r>
+              <a:rPr lang="de-DE" dirty="0"/>
+              <a:t>N</a:t>
+            </a:r>
+            <a:r>
+              <a:rPr lang="en-CH" dirty="0"/>
+              <a:t>o</a:t>
+            </a:r>
+            <a:r>
+              <a:rPr lang="de-DE" dirty="0"/>
+              <a:t>t</a:t>
+            </a:r>
+            <a:r>
+              <a:rPr lang="en-CH" dirty="0" err="1"/>
+              <a:t>ification</a:t>
+            </a:r>
+            <a:r>
+              <a:rPr lang="en-CH" dirty="0"/>
+              <a:t> emails before </a:t>
+            </a:r>
+            <a:r>
+              <a:rPr lang="en-CH" dirty="0" err="1"/>
+              <a:t>cour</a:t>
+            </a:r>
+            <a:r>
+              <a:rPr lang="de-DE" dirty="0"/>
+              <a:t>s</a:t>
+            </a:r>
+            <a:r>
+              <a:rPr lang="en-CH" dirty="0"/>
+              <a:t>e </a:t>
+            </a:r>
+            <a:r>
+              <a:rPr lang="de-DE" dirty="0"/>
+              <a:t>i</a:t>
+            </a:r>
+            <a:r>
+              <a:rPr lang="en-CH" dirty="0"/>
+              <a:t>s </a:t>
+            </a:r>
+            <a:r>
+              <a:rPr lang="de-DE" dirty="0"/>
+              <a:t>t</a:t>
+            </a:r>
+            <a:r>
+              <a:rPr lang="en-CH" dirty="0"/>
+              <a:t>a</a:t>
+            </a:r>
+            <a:r>
+              <a:rPr lang="de-DE" dirty="0"/>
+              <a:t>k</a:t>
+            </a:r>
+            <a:r>
+              <a:rPr lang="en-CH" dirty="0" err="1"/>
+              <a:t>i</a:t>
+            </a:r>
+            <a:r>
+              <a:rPr lang="de-DE" dirty="0"/>
+              <a:t>n</a:t>
+            </a:r>
+            <a:r>
+              <a:rPr lang="en-CH" dirty="0"/>
+              <a:t>g </a:t>
+            </a:r>
+            <a:r>
+              <a:rPr lang="de-DE" dirty="0"/>
+              <a:t>p</a:t>
+            </a:r>
+            <a:r>
+              <a:rPr lang="en-CH" dirty="0"/>
+              <a:t>l</a:t>
+            </a:r>
+            <a:r>
+              <a:rPr lang="de-DE" dirty="0"/>
+              <a:t>a</a:t>
+            </a:r>
+            <a:r>
+              <a:rPr lang="en-CH" dirty="0"/>
+              <a:t>c</a:t>
+            </a:r>
+            <a:r>
+              <a:rPr lang="de-DE" dirty="0"/>
+              <a:t>e</a:t>
+            </a:r>
+            <a:endParaRPr lang="en-CH" dirty="0"/>
+          </a:p>
+          <a:p>
+            <a:r>
+              <a:rPr lang="en-CH" dirty="0"/>
+              <a:t>S</a:t>
+            </a:r>
+            <a:r>
+              <a:rPr lang="de-DE" dirty="0"/>
+              <a:t>p</a:t>
+            </a:r>
+            <a:r>
+              <a:rPr lang="en-CH" dirty="0"/>
+              <a:t>e</a:t>
+            </a:r>
+            <a:r>
+              <a:rPr lang="de-DE" dirty="0"/>
+              <a:t>c</a:t>
+            </a:r>
+            <a:r>
+              <a:rPr lang="en-CH" dirty="0" err="1"/>
+              <a:t>i</a:t>
+            </a:r>
+            <a:r>
+              <a:rPr lang="de-DE" dirty="0"/>
+              <a:t>a</a:t>
+            </a:r>
+            <a:r>
+              <a:rPr lang="en-CH" dirty="0"/>
+              <a:t>l </a:t>
+            </a:r>
+            <a:r>
+              <a:rPr lang="de-DE" dirty="0"/>
+              <a:t>e</a:t>
+            </a:r>
+            <a:r>
+              <a:rPr lang="en-CH" dirty="0"/>
+              <a:t>v</a:t>
+            </a:r>
+            <a:r>
+              <a:rPr lang="de-DE" dirty="0"/>
+              <a:t>e</a:t>
+            </a:r>
+            <a:r>
+              <a:rPr lang="en-CH" dirty="0"/>
+              <a:t>n</a:t>
+            </a:r>
+            <a:r>
+              <a:rPr lang="de-DE" dirty="0"/>
+              <a:t>t</a:t>
+            </a:r>
+            <a:r>
+              <a:rPr lang="en-CH" dirty="0"/>
+              <a:t>s </a:t>
+            </a:r>
+            <a:r>
+              <a:rPr lang="de-DE" dirty="0"/>
+              <a:t>a</a:t>
+            </a:r>
+            <a:r>
+              <a:rPr lang="en-CH" dirty="0"/>
+              <a:t>n</a:t>
+            </a:r>
+            <a:r>
+              <a:rPr lang="de-DE" dirty="0"/>
+              <a:t>d</a:t>
+            </a:r>
+            <a:r>
+              <a:rPr lang="en-CH" dirty="0"/>
+              <a:t> </a:t>
+            </a:r>
+            <a:r>
+              <a:rPr lang="de-DE" dirty="0"/>
+              <a:t>c</a:t>
+            </a:r>
+            <a:r>
+              <a:rPr lang="en-CH" dirty="0"/>
+              <a:t>o</a:t>
+            </a:r>
+            <a:r>
+              <a:rPr lang="de-DE" dirty="0"/>
+              <a:t>m</a:t>
+            </a:r>
+            <a:r>
+              <a:rPr lang="en-CH" dirty="0"/>
+              <a:t>p</a:t>
+            </a:r>
+            <a:r>
+              <a:rPr lang="de-DE" dirty="0"/>
+              <a:t>e</a:t>
+            </a:r>
+            <a:r>
+              <a:rPr lang="en-CH" dirty="0"/>
+              <a:t>t</a:t>
+            </a:r>
+            <a:r>
+              <a:rPr lang="de-DE" dirty="0"/>
+              <a:t>i</a:t>
+            </a:r>
+            <a:r>
+              <a:rPr lang="en-CH" dirty="0" err="1"/>
+              <a:t>tions</a:t>
+            </a:r>
+            <a:endParaRPr lang="en-CH" dirty="0"/>
+          </a:p>
+          <a:p>
+            <a:r>
+              <a:rPr lang="en-CH" dirty="0"/>
+              <a:t>C</a:t>
+            </a:r>
+            <a:r>
+              <a:rPr lang="de-DE" dirty="0"/>
+              <a:t>o</a:t>
+            </a:r>
+            <a:r>
+              <a:rPr lang="en-CH" dirty="0"/>
+              <a:t>n</a:t>
+            </a:r>
+            <a:r>
+              <a:rPr lang="de-DE" dirty="0"/>
+              <a:t>t</a:t>
+            </a:r>
+            <a:r>
+              <a:rPr lang="en-CH" dirty="0"/>
+              <a:t>a</a:t>
+            </a:r>
+            <a:r>
+              <a:rPr lang="de-DE" dirty="0"/>
+              <a:t>c</a:t>
+            </a:r>
+            <a:r>
+              <a:rPr lang="en-CH" dirty="0"/>
+              <a:t>t, </a:t>
+            </a:r>
+            <a:r>
+              <a:rPr lang="de-DE" dirty="0"/>
+              <a:t>F</a:t>
+            </a:r>
+            <a:r>
+              <a:rPr lang="en-CH" dirty="0"/>
+              <a:t>A</a:t>
+            </a:r>
+            <a:r>
+              <a:rPr lang="de-DE" dirty="0"/>
+              <a:t>Q</a:t>
+            </a:r>
+            <a:r>
+              <a:rPr lang="en-CH" dirty="0"/>
+              <a:t> </a:t>
+            </a:r>
+            <a:r>
+              <a:rPr lang="de-DE" dirty="0"/>
+              <a:t>a</a:t>
+            </a:r>
+            <a:r>
+              <a:rPr lang="en-CH" dirty="0"/>
+              <a:t>n</a:t>
+            </a:r>
+            <a:r>
+              <a:rPr lang="de-DE" dirty="0"/>
+              <a:t>d</a:t>
+            </a:r>
+            <a:r>
+              <a:rPr lang="en-CH" dirty="0"/>
+              <a:t> </a:t>
+            </a:r>
+            <a:r>
+              <a:rPr lang="de-DE" dirty="0"/>
+              <a:t>A</a:t>
+            </a:r>
+            <a:r>
+              <a:rPr lang="en-CH" dirty="0"/>
+              <a:t>b</a:t>
+            </a:r>
+            <a:r>
+              <a:rPr lang="de-DE" dirty="0"/>
+              <a:t>o</a:t>
+            </a:r>
+            <a:r>
+              <a:rPr lang="en-CH" dirty="0"/>
+              <a:t>u</a:t>
+            </a:r>
+            <a:r>
+              <a:rPr lang="de-DE" dirty="0"/>
+              <a:t>t</a:t>
+            </a:r>
+            <a:r>
+              <a:rPr lang="en-CH" dirty="0"/>
+              <a:t> </a:t>
+            </a:r>
+            <a:r>
+              <a:rPr lang="de-DE" dirty="0"/>
+              <a:t>u</a:t>
+            </a:r>
+            <a:r>
+              <a:rPr lang="en-CH" dirty="0"/>
+              <a:t>s </a:t>
+            </a:r>
+            <a:r>
+              <a:rPr lang="de-DE" dirty="0"/>
+              <a:t>p</a:t>
+            </a:r>
+            <a:r>
+              <a:rPr lang="en-CH" dirty="0"/>
+              <a:t>a</a:t>
+            </a:r>
+            <a:r>
+              <a:rPr lang="de-DE" dirty="0"/>
+              <a:t>g</a:t>
+            </a:r>
+            <a:r>
+              <a:rPr lang="en-CH" dirty="0"/>
+              <a:t>e</a:t>
+            </a:r>
+            <a:r>
+              <a:rPr lang="de-DE" dirty="0"/>
+              <a:t>s</a:t>
+            </a:r>
+            <a:endParaRPr lang="en-CH" dirty="0"/>
+          </a:p>
+          <a:p>
+            <a:endParaRPr lang="en-CH" dirty="0"/>
+          </a:p>
+        </p:txBody>
+      </p:sp>
+    </p:spTree>
+    <p:extLst>
+      <p:ext uri="{BB962C8B-B14F-4D97-AF65-F5344CB8AC3E}">
+        <p14:creationId xmlns:p14="http://schemas.microsoft.com/office/powerpoint/2010/main" val="532577622"/>
+      </p:ext>
+    </p:extLst>
+  </p:cSld>
+  <p:clrMapOvr>
+    <a:masterClrMapping/>
+  </p:clrMapOvr>
+  <mc:AlternateContent xmlns:mc="http://schemas.openxmlformats.org/markup-compatibility/2006" xmlns:p14="http://schemas.microsoft.com/office/powerpoint/2010/main">
+    <mc:Choice Requires="p14">
+      <p:transition spd="med" p14:dur="700">
+        <p:fade/>
+      </p:transition>
+    </mc:Choice>
+    <mc:Fallback xmlns="">
+      <p:transition spd="med">
+        <p:fade/>
+      </p:transition>
+    </mc:Fallback>
+  </mc:AlternateContent>
+</p:sld>
+</file>
+
+<file path=ppt/slides/slide3.xml><?xml version="1.0" encoding="utf-8"?>
+<p:sld xmlns:a="http://schemas.openxmlformats.org/drawingml/2006/main" xmlns:r="http://schemas.openxmlformats.org/officeDocument/2006/relationships" xmlns:p="http://schemas.openxmlformats.org/presentationml/2006/main">
+  <p:cSld>
+    <p:spTree>
+      <p:nvGrpSpPr>
+        <p:cNvPr id="1" name=""/>
+        <p:cNvGrpSpPr/>
+        <p:nvPr/>
+      </p:nvGrpSpPr>
+      <p:grpSpPr>
+        <a:xfrm>
+          <a:off x="0" y="0"/>
+          <a:ext cx="0" cy="0"/>
+          <a:chOff x="0" y="0"/>
+          <a:chExt cx="0" cy="0"/>
+        </a:xfrm>
+      </p:grpSpPr>
+      <p:sp>
+        <p:nvSpPr>
+          <p:cNvPr id="2" name="Titel 1">
+            <a:extLst>
+              <a:ext uri="{FF2B5EF4-FFF2-40B4-BE49-F238E27FC236}">
+                <a16:creationId xmlns:a16="http://schemas.microsoft.com/office/drawing/2014/main" id="{223BFD06-1D42-4B3C-B13F-0CE637A5B195}"/>
+              </a:ext>
+            </a:extLst>
+          </p:cNvPr>
+          <p:cNvSpPr>
+            <a:spLocks noGrp="1"/>
+          </p:cNvSpPr>
+          <p:nvPr>
+            <p:ph type="title"/>
+          </p:nvPr>
+        </p:nvSpPr>
+        <p:spPr/>
+        <p:txBody>
+          <a:bodyPr/>
+          <a:lstStyle/>
+          <a:p>
+            <a:r>
+              <a:rPr lang="de-DE" dirty="0"/>
+              <a:t>A</a:t>
+            </a:r>
+            <a:r>
+              <a:rPr lang="en-CH" dirty="0"/>
+              <a:t>r</a:t>
+            </a:r>
+            <a:r>
+              <a:rPr lang="de-DE" dirty="0"/>
+              <a:t>c</a:t>
+            </a:r>
+            <a:r>
+              <a:rPr lang="en-CH" dirty="0"/>
+              <a:t>h</a:t>
+            </a:r>
+            <a:r>
+              <a:rPr lang="de-DE" dirty="0"/>
+              <a:t>i</a:t>
+            </a:r>
+            <a:r>
+              <a:rPr lang="en-CH" dirty="0"/>
+              <a:t>t</a:t>
+            </a:r>
+            <a:r>
+              <a:rPr lang="de-DE" dirty="0"/>
+              <a:t>e</a:t>
+            </a:r>
+            <a:r>
+              <a:rPr lang="en-CH" dirty="0"/>
+              <a:t>c</a:t>
+            </a:r>
+            <a:r>
+              <a:rPr lang="de-DE" dirty="0"/>
+              <a:t>t</a:t>
+            </a:r>
+            <a:r>
+              <a:rPr lang="en-CH" dirty="0"/>
+              <a:t>u</a:t>
+            </a:r>
+            <a:r>
+              <a:rPr lang="de-DE" dirty="0"/>
+              <a:t>r</a:t>
+            </a:r>
+            <a:r>
+              <a:rPr lang="en-CH" dirty="0"/>
+              <a:t>e </a:t>
+            </a:r>
+            <a:r>
+              <a:rPr lang="de-DE" dirty="0"/>
+              <a:t>a</a:t>
+            </a:r>
+            <a:r>
+              <a:rPr lang="en-CH" dirty="0"/>
+              <a:t>n</a:t>
+            </a:r>
+            <a:r>
+              <a:rPr lang="de-DE" dirty="0"/>
+              <a:t>d</a:t>
+            </a:r>
+            <a:r>
+              <a:rPr lang="en-CH" dirty="0"/>
+              <a:t> </a:t>
+            </a:r>
+            <a:r>
+              <a:rPr lang="de-DE" dirty="0"/>
+              <a:t>C</a:t>
+            </a:r>
+            <a:r>
+              <a:rPr lang="en-CH" dirty="0"/>
+              <a:t>h</a:t>
+            </a:r>
+            <a:r>
+              <a:rPr lang="de-DE" dirty="0"/>
+              <a:t>o</a:t>
+            </a:r>
+            <a:r>
+              <a:rPr lang="en-CH" dirty="0" err="1"/>
+              <a:t>sen</a:t>
+            </a:r>
+            <a:r>
+              <a:rPr lang="en-CH" dirty="0"/>
+              <a:t> </a:t>
+            </a:r>
+            <a:r>
+              <a:rPr lang="en-CH" dirty="0" err="1"/>
+              <a:t>Technologie</a:t>
+            </a:r>
+            <a:r>
+              <a:rPr lang="de-DE" dirty="0"/>
+              <a:t>s</a:t>
+            </a:r>
+            <a:endParaRPr lang="en-CH" dirty="0"/>
+          </a:p>
+        </p:txBody>
+      </p:sp>
+      <p:sp>
+        <p:nvSpPr>
+          <p:cNvPr id="3" name="Inhaltsplatzhalter 2">
+            <a:extLst>
+              <a:ext uri="{FF2B5EF4-FFF2-40B4-BE49-F238E27FC236}">
+                <a16:creationId xmlns:a16="http://schemas.microsoft.com/office/drawing/2014/main" id="{7D443536-56A7-40C2-B567-F18B6A790344}"/>
+              </a:ext>
+            </a:extLst>
+          </p:cNvPr>
+          <p:cNvSpPr>
+            <a:spLocks noGrp="1"/>
+          </p:cNvSpPr>
+          <p:nvPr>
+            <p:ph sz="half" idx="1"/>
+          </p:nvPr>
+        </p:nvSpPr>
+        <p:spPr/>
+        <p:txBody>
+          <a:bodyPr>
+            <a:normAutofit fontScale="77500" lnSpcReduction="20000"/>
+          </a:bodyPr>
+          <a:lstStyle/>
+          <a:p>
+            <a:pPr>
+              <a:lnSpc>
+                <a:spcPct val="70000"/>
+              </a:lnSpc>
+            </a:pPr>
+            <a:r>
+              <a:rPr lang="de-DE" dirty="0"/>
+              <a:t>A</a:t>
+            </a:r>
+            <a:r>
+              <a:rPr lang="en-CH" dirty="0"/>
+              <a:t>p</a:t>
+            </a:r>
+            <a:r>
+              <a:rPr lang="de-DE" dirty="0"/>
+              <a:t>p</a:t>
+            </a:r>
+            <a:r>
+              <a:rPr lang="en-CH" dirty="0"/>
+              <a:t>/</a:t>
+            </a:r>
+          </a:p>
+          <a:p>
+            <a:pPr lvl="1">
+              <a:lnSpc>
+                <a:spcPct val="70000"/>
+              </a:lnSpc>
+            </a:pPr>
+            <a:r>
+              <a:rPr lang="de-DE" dirty="0"/>
+              <a:t>M</a:t>
+            </a:r>
+            <a:r>
+              <a:rPr lang="en-CH" dirty="0" err="1"/>
+              <a:t>odels</a:t>
+            </a:r>
+            <a:r>
+              <a:rPr lang="en-CH" dirty="0"/>
+              <a:t>/</a:t>
+            </a:r>
+          </a:p>
+          <a:p>
+            <a:pPr lvl="1">
+              <a:lnSpc>
+                <a:spcPct val="70000"/>
+              </a:lnSpc>
+            </a:pPr>
+            <a:r>
+              <a:rPr lang="de-DE" dirty="0"/>
+              <a:t>R</a:t>
+            </a:r>
+            <a:r>
+              <a:rPr lang="en-CH" dirty="0"/>
+              <a:t>outes.js</a:t>
+            </a:r>
+          </a:p>
+          <a:p>
+            <a:pPr>
+              <a:lnSpc>
+                <a:spcPct val="70000"/>
+              </a:lnSpc>
+            </a:pPr>
+            <a:r>
+              <a:rPr lang="de-DE" dirty="0"/>
+              <a:t>N</a:t>
+            </a:r>
+            <a:r>
+              <a:rPr lang="en-CH" dirty="0"/>
+              <a:t>o</a:t>
+            </a:r>
+            <a:r>
+              <a:rPr lang="de-DE" dirty="0"/>
+              <a:t>d</a:t>
+            </a:r>
+            <a:r>
+              <a:rPr lang="en-CH" dirty="0"/>
+              <a:t>e_</a:t>
+            </a:r>
+            <a:r>
+              <a:rPr lang="de-DE" dirty="0"/>
+              <a:t>m</a:t>
+            </a:r>
+            <a:r>
+              <a:rPr lang="en-CH" dirty="0"/>
+              <a:t>o</a:t>
+            </a:r>
+            <a:r>
+              <a:rPr lang="de-DE" dirty="0"/>
+              <a:t>d</a:t>
+            </a:r>
+            <a:r>
+              <a:rPr lang="en-CH" dirty="0"/>
+              <a:t>u</a:t>
+            </a:r>
+            <a:r>
+              <a:rPr lang="de-DE" dirty="0"/>
+              <a:t>l</a:t>
+            </a:r>
+            <a:r>
+              <a:rPr lang="en-CH" dirty="0"/>
+              <a:t>e</a:t>
+            </a:r>
+            <a:r>
+              <a:rPr lang="de-DE" dirty="0"/>
+              <a:t>s</a:t>
+            </a:r>
+            <a:r>
+              <a:rPr lang="en-CH" dirty="0"/>
+              <a:t>/</a:t>
+            </a:r>
+          </a:p>
+          <a:p>
+            <a:pPr>
+              <a:lnSpc>
+                <a:spcPct val="70000"/>
+              </a:lnSpc>
+            </a:pPr>
+            <a:r>
+              <a:rPr lang="de-DE" dirty="0"/>
+              <a:t>P</a:t>
+            </a:r>
+            <a:r>
+              <a:rPr lang="en-CH" dirty="0"/>
+              <a:t>u</a:t>
+            </a:r>
+            <a:r>
+              <a:rPr lang="de-DE" dirty="0"/>
+              <a:t>b</a:t>
+            </a:r>
+            <a:r>
+              <a:rPr lang="en-CH" dirty="0"/>
+              <a:t>l</a:t>
+            </a:r>
+            <a:r>
+              <a:rPr lang="de-DE" dirty="0"/>
+              <a:t>i</a:t>
+            </a:r>
+            <a:r>
+              <a:rPr lang="en-CH" dirty="0"/>
+              <a:t>c/</a:t>
+            </a:r>
+          </a:p>
+          <a:p>
+            <a:pPr lvl="1">
+              <a:lnSpc>
+                <a:spcPct val="70000"/>
+              </a:lnSpc>
+            </a:pPr>
+            <a:r>
+              <a:rPr lang="de-DE" dirty="0" err="1"/>
+              <a:t>Cs</a:t>
+            </a:r>
+            <a:r>
+              <a:rPr lang="en-CH" dirty="0"/>
+              <a:t>s/</a:t>
+            </a:r>
+          </a:p>
+          <a:p>
+            <a:pPr lvl="1">
+              <a:lnSpc>
+                <a:spcPct val="70000"/>
+              </a:lnSpc>
+            </a:pPr>
+            <a:r>
+              <a:rPr lang="de-DE" dirty="0"/>
+              <a:t>J</a:t>
+            </a:r>
+            <a:r>
+              <a:rPr lang="en-CH" dirty="0"/>
+              <a:t>s/</a:t>
+            </a:r>
+          </a:p>
+          <a:p>
+            <a:pPr lvl="1">
+              <a:lnSpc>
+                <a:spcPct val="70000"/>
+              </a:lnSpc>
+            </a:pPr>
+            <a:r>
+              <a:rPr lang="de-DE" dirty="0"/>
+              <a:t>L</a:t>
+            </a:r>
+            <a:r>
+              <a:rPr lang="en-CH" dirty="0" err="1"/>
+              <a:t>i</a:t>
+            </a:r>
+            <a:r>
+              <a:rPr lang="de-DE" dirty="0"/>
+              <a:t>b</a:t>
+            </a:r>
+            <a:r>
+              <a:rPr lang="en-CH" dirty="0"/>
+              <a:t>s/</a:t>
+            </a:r>
+          </a:p>
+          <a:p>
+            <a:pPr lvl="1">
+              <a:lnSpc>
+                <a:spcPct val="70000"/>
+              </a:lnSpc>
+            </a:pPr>
+            <a:r>
+              <a:rPr lang="de-DE" dirty="0"/>
+              <a:t>V</a:t>
+            </a:r>
+            <a:r>
+              <a:rPr lang="en-CH" dirty="0" err="1"/>
+              <a:t>i</a:t>
+            </a:r>
+            <a:r>
+              <a:rPr lang="de-DE" dirty="0"/>
+              <a:t>e</a:t>
+            </a:r>
+            <a:r>
+              <a:rPr lang="en-CH" dirty="0"/>
+              <a:t>w</a:t>
+            </a:r>
+            <a:r>
+              <a:rPr lang="de-DE" dirty="0"/>
+              <a:t>s</a:t>
+            </a:r>
+            <a:r>
+              <a:rPr lang="en-CH" dirty="0"/>
+              <a:t>/</a:t>
+            </a:r>
+          </a:p>
+          <a:p>
+            <a:pPr lvl="1">
+              <a:lnSpc>
+                <a:spcPct val="70000"/>
+              </a:lnSpc>
+            </a:pPr>
+            <a:r>
+              <a:rPr lang="de-DE" dirty="0"/>
+              <a:t>I</a:t>
+            </a:r>
+            <a:r>
+              <a:rPr lang="en-CH" dirty="0"/>
+              <a:t>ndex.html</a:t>
+            </a:r>
+          </a:p>
+          <a:p>
+            <a:pPr>
+              <a:lnSpc>
+                <a:spcPct val="70000"/>
+              </a:lnSpc>
+            </a:pPr>
+            <a:r>
+              <a:rPr lang="de-DE" dirty="0"/>
+              <a:t>S</a:t>
+            </a:r>
+            <a:r>
+              <a:rPr lang="en-CH" dirty="0" err="1"/>
+              <a:t>erver</a:t>
+            </a:r>
+            <a:r>
+              <a:rPr lang="en-CH" dirty="0"/>
+              <a:t>.</a:t>
+            </a:r>
+            <a:r>
+              <a:rPr lang="de-DE" dirty="0"/>
+              <a:t>j</a:t>
+            </a:r>
+            <a:r>
+              <a:rPr lang="en-CH" dirty="0"/>
+              <a:t>s</a:t>
+            </a:r>
+          </a:p>
+          <a:p>
+            <a:pPr>
+              <a:lnSpc>
+                <a:spcPct val="70000"/>
+              </a:lnSpc>
+            </a:pPr>
+            <a:r>
+              <a:rPr lang="de-DE" dirty="0"/>
+              <a:t>P</a:t>
+            </a:r>
+            <a:r>
+              <a:rPr lang="en-CH" dirty="0" err="1"/>
+              <a:t>ackage.json</a:t>
+            </a:r>
+            <a:endParaRPr lang="en-CH" dirty="0"/>
+          </a:p>
+          <a:p>
+            <a:pPr>
+              <a:lnSpc>
+                <a:spcPct val="70000"/>
+              </a:lnSpc>
+            </a:pPr>
+            <a:r>
+              <a:rPr lang="en-CH" dirty="0"/>
+              <a:t>Bower.</a:t>
+            </a:r>
+            <a:r>
+              <a:rPr lang="de-DE" dirty="0"/>
+              <a:t>j</a:t>
+            </a:r>
+            <a:r>
+              <a:rPr lang="en-CH" dirty="0"/>
+              <a:t>s</a:t>
+            </a:r>
+            <a:r>
+              <a:rPr lang="de-DE" dirty="0"/>
+              <a:t>o</a:t>
+            </a:r>
+            <a:r>
+              <a:rPr lang="en-CH" dirty="0"/>
+              <a:t>n</a:t>
+            </a:r>
+          </a:p>
+        </p:txBody>
+      </p:sp>
+      <p:sp>
+        <p:nvSpPr>
+          <p:cNvPr id="4" name="Inhaltsplatzhalter 3">
+            <a:extLst>
+              <a:ext uri="{FF2B5EF4-FFF2-40B4-BE49-F238E27FC236}">
+                <a16:creationId xmlns:a16="http://schemas.microsoft.com/office/drawing/2014/main" id="{209E420F-82D4-436B-B55A-DF903B74A93E}"/>
+              </a:ext>
+            </a:extLst>
+          </p:cNvPr>
+          <p:cNvSpPr>
+            <a:spLocks noGrp="1"/>
+          </p:cNvSpPr>
+          <p:nvPr>
+            <p:ph sz="half" idx="2"/>
+          </p:nvPr>
+        </p:nvSpPr>
+        <p:spPr/>
+        <p:txBody>
+          <a:bodyPr>
+            <a:normAutofit fontScale="77500" lnSpcReduction="20000"/>
+          </a:bodyPr>
+          <a:lstStyle/>
+          <a:p>
+            <a:r>
+              <a:rPr lang="de-DE" dirty="0"/>
+              <a:t>M</a:t>
+            </a:r>
+            <a:r>
+              <a:rPr lang="en-CH" dirty="0"/>
+              <a:t>E</a:t>
+            </a:r>
+            <a:r>
+              <a:rPr lang="de-DE" dirty="0"/>
+              <a:t>A</a:t>
+            </a:r>
+            <a:r>
+              <a:rPr lang="en-CH" dirty="0"/>
+              <a:t>N </a:t>
+            </a:r>
+            <a:r>
+              <a:rPr lang="de-DE" dirty="0"/>
+              <a:t>S</a:t>
+            </a:r>
+            <a:r>
+              <a:rPr lang="en-CH" dirty="0"/>
+              <a:t>t</a:t>
+            </a:r>
+            <a:r>
+              <a:rPr lang="de-DE" dirty="0"/>
+              <a:t>a</a:t>
+            </a:r>
+            <a:r>
+              <a:rPr lang="en-CH" dirty="0"/>
+              <a:t>c</a:t>
+            </a:r>
+            <a:r>
+              <a:rPr lang="de-DE" dirty="0"/>
+              <a:t>k</a:t>
+            </a:r>
+            <a:r>
+              <a:rPr lang="en-CH" dirty="0"/>
+              <a:t> </a:t>
+            </a:r>
+            <a:r>
+              <a:rPr lang="de-DE" dirty="0"/>
+              <a:t>w</a:t>
+            </a:r>
+            <a:r>
+              <a:rPr lang="en-CH" dirty="0" err="1"/>
+              <a:t>i</a:t>
+            </a:r>
+            <a:r>
+              <a:rPr lang="de-DE" dirty="0"/>
+              <a:t>t</a:t>
+            </a:r>
+            <a:r>
+              <a:rPr lang="en-CH" dirty="0"/>
+              <a:t>h</a:t>
+            </a:r>
+          </a:p>
+          <a:p>
+            <a:pPr lvl="1"/>
+            <a:r>
+              <a:rPr lang="en-GB" dirty="0"/>
+              <a:t>MongoDB: v3.4.9</a:t>
+            </a:r>
+            <a:endParaRPr lang="x-none" dirty="0"/>
+          </a:p>
+          <a:p>
+            <a:pPr lvl="1"/>
+            <a:r>
+              <a:rPr lang="en-GB" dirty="0"/>
+              <a:t>Express.js: </a:t>
+            </a:r>
+            <a:r>
+              <a:rPr lang="en-CH" dirty="0"/>
+              <a:t>v</a:t>
+            </a:r>
+            <a:r>
+              <a:rPr lang="en-GB" dirty="0"/>
+              <a:t>5.5.1</a:t>
+            </a:r>
+            <a:endParaRPr lang="x-none" dirty="0"/>
+          </a:p>
+          <a:p>
+            <a:pPr lvl="1"/>
+            <a:r>
+              <a:rPr lang="en-GB" dirty="0"/>
+              <a:t>AngularJS: v1.6.6</a:t>
+            </a:r>
+            <a:endParaRPr lang="x-none" dirty="0"/>
+          </a:p>
+          <a:p>
+            <a:pPr lvl="1"/>
+            <a:r>
+              <a:rPr lang="en-GB" dirty="0"/>
+              <a:t>Node.js: v8.7.0</a:t>
+            </a:r>
+            <a:endParaRPr lang="en-CH" dirty="0"/>
+          </a:p>
+          <a:p>
+            <a:endParaRPr lang="en-CH" dirty="0"/>
+          </a:p>
+        </p:txBody>
+      </p:sp>
+    </p:spTree>
+    <p:extLst>
+      <p:ext uri="{BB962C8B-B14F-4D97-AF65-F5344CB8AC3E}">
+        <p14:creationId xmlns:p14="http://schemas.microsoft.com/office/powerpoint/2010/main" val="939508306"/>
+      </p:ext>
+    </p:extLst>
+  </p:cSld>
+  <p:clrMapOvr>
+    <a:masterClrMapping/>
+  </p:clrMapOvr>
+  <mc:AlternateContent xmlns:mc="http://schemas.openxmlformats.org/markup-compatibility/2006" xmlns:p14="http://schemas.microsoft.com/office/powerpoint/2010/main">
+    <mc:Choice Requires="p14">
+      <p:transition spd="med" p14:dur="700">
+        <p:fade/>
+      </p:transition>
+    </mc:Choice>
+    <mc:Fallback xmlns="">
+      <p:transition spd="med">
+        <p:fade/>
+      </p:transition>
+    </mc:Fallback>
+  </mc:AlternateContent>
+</p:sld>
+</file>
+
+<file path=ppt/slides/slide4.xml><?xml version="1.0" encoding="utf-8"?>
+<p:sld xmlns:a="http://schemas.openxmlformats.org/drawingml/2006/main" xmlns:r="http://schemas.openxmlformats.org/officeDocument/2006/relationships" xmlns:p="http://schemas.openxmlformats.org/presentationml/2006/main">
+  <p:cSld>
+    <p:spTree>
+      <p:nvGrpSpPr>
+        <p:cNvPr id="1" name=""/>
+        <p:cNvGrpSpPr/>
+        <p:nvPr/>
+      </p:nvGrpSpPr>
+      <p:grpSpPr>
+        <a:xfrm>
+          <a:off x="0" y="0"/>
+          <a:ext cx="0" cy="0"/>
+          <a:chOff x="0" y="0"/>
+          <a:chExt cx="0" cy="0"/>
+        </a:xfrm>
+      </p:grpSpPr>
+      <p:sp>
+        <p:nvSpPr>
+          <p:cNvPr id="2" name="Titel 1">
+            <a:extLst>
+              <a:ext uri="{FF2B5EF4-FFF2-40B4-BE49-F238E27FC236}">
+                <a16:creationId xmlns:a16="http://schemas.microsoft.com/office/drawing/2014/main" id="{51994913-6671-4E00-845B-BC4799362BF4}"/>
+              </a:ext>
+            </a:extLst>
+          </p:cNvPr>
+          <p:cNvSpPr>
+            <a:spLocks noGrp="1"/>
+          </p:cNvSpPr>
+          <p:nvPr>
+            <p:ph type="ctrTitle"/>
+          </p:nvPr>
+        </p:nvSpPr>
+        <p:spPr/>
+        <p:txBody>
+          <a:bodyPr/>
+          <a:lstStyle/>
+          <a:p>
+            <a:r>
+              <a:rPr lang="de-DE" dirty="0"/>
+              <a:t>D</a:t>
+            </a:r>
+            <a:r>
+              <a:rPr lang="en-CH" dirty="0"/>
+              <a:t>E</a:t>
+            </a:r>
+            <a:r>
+              <a:rPr lang="de-DE" dirty="0"/>
+              <a:t>M</a:t>
+            </a:r>
+            <a:r>
+              <a:rPr lang="en-CH" dirty="0"/>
+              <a:t>O</a:t>
+            </a:r>
+          </a:p>
+        </p:txBody>
+      </p:sp>
+      <p:sp>
+        <p:nvSpPr>
+          <p:cNvPr id="3" name="Untertitel 2">
+            <a:extLst>
+              <a:ext uri="{FF2B5EF4-FFF2-40B4-BE49-F238E27FC236}">
+                <a16:creationId xmlns:a16="http://schemas.microsoft.com/office/drawing/2014/main" id="{DD534834-E7F8-4429-91CA-287A33F8DDC2}"/>
+              </a:ext>
+            </a:extLst>
+          </p:cNvPr>
+          <p:cNvSpPr>
+            <a:spLocks noGrp="1"/>
+          </p:cNvSpPr>
+          <p:nvPr>
+            <p:ph type="subTitle" idx="1"/>
+          </p:nvPr>
+        </p:nvSpPr>
+        <p:spPr/>
+        <p:txBody>
+          <a:bodyPr/>
+          <a:lstStyle/>
+          <a:p>
+            <a:endParaRPr lang="en-CH"/>
+          </a:p>
+        </p:txBody>
+      </p:sp>
+    </p:spTree>
+    <p:extLst>
+      <p:ext uri="{BB962C8B-B14F-4D97-AF65-F5344CB8AC3E}">
+        <p14:creationId xmlns:p14="http://schemas.microsoft.com/office/powerpoint/2010/main" val="2704351062"/>
+      </p:ext>
+    </p:extLst>
+  </p:cSld>
+  <p:clrMapOvr>
+    <a:masterClrMapping/>
+  </p:clrMapOvr>
+  <mc:AlternateContent xmlns:mc="http://schemas.openxmlformats.org/markup-compatibility/2006" xmlns:p14="http://schemas.microsoft.com/office/powerpoint/2010/main">
+    <mc:Choice Requires="p14">
+      <p:transition spd="med" p14:dur="700">
+        <p:fade/>
+      </p:transition>
+    </mc:Choice>
+    <mc:Fallback xmlns="">
+      <p:transition spd="med">
+        <p:fade/>
+      </p:transition>
+    </mc:Fallback>
+  </mc:AlternateContent>
+</p:sld>
+</file>
+
+<file path=ppt/slides/slide5.xml><?xml version="1.0" encoding="utf-8"?>
 <p:sld xmlns:a="http://schemas.openxmlformats.org/drawingml/2006/main" xmlns:r="http://schemas.openxmlformats.org/officeDocument/2006/relationships" xmlns:p="http://schemas.openxmlformats.org/presentationml/2006/main">
   <p:cSld>
     <p:spTree>
@@ -5610,6 +6977,133 @@
 </file>
 
 <file path=customXml/item1.xml><?xml version="1.0" encoding="utf-8"?>
+<p:properties xmlns:p="http://schemas.microsoft.com/office/2006/metadata/properties" xmlns:xsi="http://www.w3.org/2001/XMLSchema-instance" xmlns:pc="http://schemas.microsoft.com/office/infopath/2007/PartnerControls">
+  <documentManagement>
+    <DirectSourceMarket xmlns="4873beb7-5857-4685-be1f-d57550cc96cc" xsi:nil="true"/>
+    <ApprovalStatus xmlns="4873beb7-5857-4685-be1f-d57550cc96cc">InProgress</ApprovalStatus>
+    <MarketSpecific xmlns="4873beb7-5857-4685-be1f-d57550cc96cc">false</MarketSpecific>
+    <LocComments xmlns="4873beb7-5857-4685-be1f-d57550cc96cc" xsi:nil="true"/>
+    <ThumbnailAssetId xmlns="4873beb7-5857-4685-be1f-d57550cc96cc" xsi:nil="true"/>
+    <PrimaryImageGen xmlns="4873beb7-5857-4685-be1f-d57550cc96cc">true</PrimaryImageGen>
+    <LegacyData xmlns="4873beb7-5857-4685-be1f-d57550cc96cc" xsi:nil="true"/>
+    <LocRecommendedHandoff xmlns="4873beb7-5857-4685-be1f-d57550cc96cc" xsi:nil="true"/>
+    <BusinessGroup xmlns="4873beb7-5857-4685-be1f-d57550cc96cc" xsi:nil="true"/>
+    <BlockPublish xmlns="4873beb7-5857-4685-be1f-d57550cc96cc">false</BlockPublish>
+    <TPFriendlyName xmlns="4873beb7-5857-4685-be1f-d57550cc96cc" xsi:nil="true"/>
+    <NumericId xmlns="4873beb7-5857-4685-be1f-d57550cc96cc" xsi:nil="true"/>
+    <APEditor xmlns="4873beb7-5857-4685-be1f-d57550cc96cc">
+      <UserInfo>
+        <DisplayName/>
+        <AccountId xsi:nil="true"/>
+        <AccountType/>
+      </UserInfo>
+    </APEditor>
+    <SourceTitle xmlns="4873beb7-5857-4685-be1f-d57550cc96cc" xsi:nil="true"/>
+    <OpenTemplate xmlns="4873beb7-5857-4685-be1f-d57550cc96cc">true</OpenTemplate>
+    <UALocComments xmlns="4873beb7-5857-4685-be1f-d57550cc96cc" xsi:nil="true"/>
+    <ParentAssetId xmlns="4873beb7-5857-4685-be1f-d57550cc96cc" xsi:nil="true"/>
+    <IntlLangReviewDate xmlns="4873beb7-5857-4685-be1f-d57550cc96cc" xsi:nil="true"/>
+    <FeatureTagsTaxHTField0 xmlns="4873beb7-5857-4685-be1f-d57550cc96cc">
+      <Terms xmlns="http://schemas.microsoft.com/office/infopath/2007/PartnerControls"/>
+    </FeatureTagsTaxHTField0>
+    <PublishStatusLookup xmlns="4873beb7-5857-4685-be1f-d57550cc96cc">
+      <Value>1564227</Value>
+    </PublishStatusLookup>
+    <Providers xmlns="4873beb7-5857-4685-be1f-d57550cc96cc" xsi:nil="true"/>
+    <MachineTranslated xmlns="4873beb7-5857-4685-be1f-d57550cc96cc">false</MachineTranslated>
+    <OriginalSourceMarket xmlns="4873beb7-5857-4685-be1f-d57550cc96cc" xsi:nil="true"/>
+    <APDescription xmlns="4873beb7-5857-4685-be1f-d57550cc96cc">Take your audience through a digital tunnel where they'll  burst through to the other side and see the information you want to present. Show them lists, charts, tables, SmartArt,  and pictures using a variety of layouts in widescreen (16X9) format. This design works well for subjects on science and technology, computers, communication, and more.   
+</APDescription>
+    <ClipArtFilename xmlns="4873beb7-5857-4685-be1f-d57550cc96cc" xsi:nil="true"/>
+    <ContentItem xmlns="4873beb7-5857-4685-be1f-d57550cc96cc" xsi:nil="true"/>
+    <TPInstallLocation xmlns="4873beb7-5857-4685-be1f-d57550cc96cc" xsi:nil="true"/>
+    <PublishTargets xmlns="4873beb7-5857-4685-be1f-d57550cc96cc">OfficeOnlineVNext</PublishTargets>
+    <TimesCloned xmlns="4873beb7-5857-4685-be1f-d57550cc96cc" xsi:nil="true"/>
+    <AssetStart xmlns="4873beb7-5857-4685-be1f-d57550cc96cc">2012-05-11T02:04:00+00:00</AssetStart>
+    <Provider xmlns="4873beb7-5857-4685-be1f-d57550cc96cc" xsi:nil="true"/>
+    <AcquiredFrom xmlns="4873beb7-5857-4685-be1f-d57550cc96cc">Internal MS</AcquiredFrom>
+    <FriendlyTitle xmlns="4873beb7-5857-4685-be1f-d57550cc96cc" xsi:nil="true"/>
+    <LastHandOff xmlns="4873beb7-5857-4685-be1f-d57550cc96cc" xsi:nil="true"/>
+    <TPClientViewer xmlns="4873beb7-5857-4685-be1f-d57550cc96cc" xsi:nil="true"/>
+    <UACurrentWords xmlns="4873beb7-5857-4685-be1f-d57550cc96cc" xsi:nil="true"/>
+    <ArtSampleDocs xmlns="4873beb7-5857-4685-be1f-d57550cc96cc" xsi:nil="true"/>
+    <UALocRecommendation xmlns="4873beb7-5857-4685-be1f-d57550cc96cc">Localize</UALocRecommendation>
+    <Manager xmlns="4873beb7-5857-4685-be1f-d57550cc96cc" xsi:nil="true"/>
+    <ShowIn xmlns="4873beb7-5857-4685-be1f-d57550cc96cc">Show everywhere</ShowIn>
+    <UANotes xmlns="4873beb7-5857-4685-be1f-d57550cc96cc" xsi:nil="true"/>
+    <TemplateStatus xmlns="4873beb7-5857-4685-be1f-d57550cc96cc">Complete</TemplateStatus>
+    <InternalTagsTaxHTField0 xmlns="4873beb7-5857-4685-be1f-d57550cc96cc">
+      <Terms xmlns="http://schemas.microsoft.com/office/infopath/2007/PartnerControls"/>
+    </InternalTagsTaxHTField0>
+    <CSXHash xmlns="4873beb7-5857-4685-be1f-d57550cc96cc" xsi:nil="true"/>
+    <Downloads xmlns="4873beb7-5857-4685-be1f-d57550cc96cc">0</Downloads>
+    <VoteCount xmlns="4873beb7-5857-4685-be1f-d57550cc96cc" xsi:nil="true"/>
+    <OOCacheId xmlns="4873beb7-5857-4685-be1f-d57550cc96cc" xsi:nil="true"/>
+    <IsDeleted xmlns="4873beb7-5857-4685-be1f-d57550cc96cc">false</IsDeleted>
+    <AssetExpire xmlns="4873beb7-5857-4685-be1f-d57550cc96cc">2029-01-01T08:00:00+00:00</AssetExpire>
+    <DSATActionTaken xmlns="4873beb7-5857-4685-be1f-d57550cc96cc" xsi:nil="true"/>
+    <CSXSubmissionMarket xmlns="4873beb7-5857-4685-be1f-d57550cc96cc" xsi:nil="true"/>
+    <TPExecutable xmlns="4873beb7-5857-4685-be1f-d57550cc96cc" xsi:nil="true"/>
+    <SubmitterId xmlns="4873beb7-5857-4685-be1f-d57550cc96cc" xsi:nil="true"/>
+    <EditorialTags xmlns="4873beb7-5857-4685-be1f-d57550cc96cc" xsi:nil="true"/>
+    <ApprovalLog xmlns="4873beb7-5857-4685-be1f-d57550cc96cc" xsi:nil="true"/>
+    <AssetType xmlns="4873beb7-5857-4685-be1f-d57550cc96cc">TP</AssetType>
+    <BugNumber xmlns="4873beb7-5857-4685-be1f-d57550cc96cc" xsi:nil="true"/>
+    <CSXSubmissionDate xmlns="4873beb7-5857-4685-be1f-d57550cc96cc" xsi:nil="true"/>
+    <CSXUpdate xmlns="4873beb7-5857-4685-be1f-d57550cc96cc">false</CSXUpdate>
+    <Milestone xmlns="4873beb7-5857-4685-be1f-d57550cc96cc" xsi:nil="true"/>
+    <RecommendationsModifier xmlns="4873beb7-5857-4685-be1f-d57550cc96cc" xsi:nil="true"/>
+    <OriginAsset xmlns="4873beb7-5857-4685-be1f-d57550cc96cc" xsi:nil="true"/>
+    <TPComponent xmlns="4873beb7-5857-4685-be1f-d57550cc96cc" xsi:nil="true"/>
+    <AssetId xmlns="4873beb7-5857-4685-be1f-d57550cc96cc">TP102895246</AssetId>
+    <IntlLocPriority xmlns="4873beb7-5857-4685-be1f-d57550cc96cc" xsi:nil="true"/>
+    <PolicheckWords xmlns="4873beb7-5857-4685-be1f-d57550cc96cc" xsi:nil="true"/>
+    <TPLaunchHelpLink xmlns="4873beb7-5857-4685-be1f-d57550cc96cc" xsi:nil="true"/>
+    <TPApplication xmlns="4873beb7-5857-4685-be1f-d57550cc96cc" xsi:nil="true"/>
+    <CrawlForDependencies xmlns="4873beb7-5857-4685-be1f-d57550cc96cc">false</CrawlForDependencies>
+    <HandoffToMSDN xmlns="4873beb7-5857-4685-be1f-d57550cc96cc" xsi:nil="true"/>
+    <PlannedPubDate xmlns="4873beb7-5857-4685-be1f-d57550cc96cc" xsi:nil="true"/>
+    <IntlLangReviewer xmlns="4873beb7-5857-4685-be1f-d57550cc96cc" xsi:nil="true"/>
+    <TrustLevel xmlns="4873beb7-5857-4685-be1f-d57550cc96cc">1 Microsoft Managed Content</TrustLevel>
+    <LocLastLocAttemptVersionLookup xmlns="4873beb7-5857-4685-be1f-d57550cc96cc">835483</LocLastLocAttemptVersionLookup>
+    <IsSearchable xmlns="4873beb7-5857-4685-be1f-d57550cc96cc">true</IsSearchable>
+    <TemplateTemplateType xmlns="4873beb7-5857-4685-be1f-d57550cc96cc">PowerPoint Presentation Template</TemplateTemplateType>
+    <CampaignTagsTaxHTField0 xmlns="4873beb7-5857-4685-be1f-d57550cc96cc">
+      <Terms xmlns="http://schemas.microsoft.com/office/infopath/2007/PartnerControls"/>
+    </CampaignTagsTaxHTField0>
+    <TPNamespace xmlns="4873beb7-5857-4685-be1f-d57550cc96cc" xsi:nil="true"/>
+    <TaxCatchAll xmlns="4873beb7-5857-4685-be1f-d57550cc96cc"/>
+    <Markets xmlns="4873beb7-5857-4685-be1f-d57550cc96cc"/>
+    <UAProjectedTotalWords xmlns="4873beb7-5857-4685-be1f-d57550cc96cc" xsi:nil="true"/>
+    <IntlLangReview xmlns="4873beb7-5857-4685-be1f-d57550cc96cc">false</IntlLangReview>
+    <OutputCachingOn xmlns="4873beb7-5857-4685-be1f-d57550cc96cc">false</OutputCachingOn>
+    <AverageRating xmlns="4873beb7-5857-4685-be1f-d57550cc96cc" xsi:nil="true"/>
+    <APAuthor xmlns="4873beb7-5857-4685-be1f-d57550cc96cc">
+      <UserInfo>
+        <DisplayName>REDMOND\v-vaddu</DisplayName>
+        <AccountId>2567</AccountId>
+        <AccountType/>
+      </UserInfo>
+    </APAuthor>
+    <LocManualTestRequired xmlns="4873beb7-5857-4685-be1f-d57550cc96cc">false</LocManualTestRequired>
+    <TPCommandLine xmlns="4873beb7-5857-4685-be1f-d57550cc96cc" xsi:nil="true"/>
+    <TPAppVersion xmlns="4873beb7-5857-4685-be1f-d57550cc96cc" xsi:nil="true"/>
+    <EditorialStatus xmlns="4873beb7-5857-4685-be1f-d57550cc96cc">Complete</EditorialStatus>
+    <LastModifiedDateTime xmlns="4873beb7-5857-4685-be1f-d57550cc96cc" xsi:nil="true"/>
+    <ScenarioTagsTaxHTField0 xmlns="4873beb7-5857-4685-be1f-d57550cc96cc">
+      <Terms xmlns="http://schemas.microsoft.com/office/infopath/2007/PartnerControls"/>
+    </ScenarioTagsTaxHTField0>
+    <OriginalRelease xmlns="4873beb7-5857-4685-be1f-d57550cc96cc">15</OriginalRelease>
+    <TPLaunchHelpLinkType xmlns="4873beb7-5857-4685-be1f-d57550cc96cc">Template</TPLaunchHelpLinkType>
+    <LocalizationTagsTaxHTField0 xmlns="4873beb7-5857-4685-be1f-d57550cc96cc">
+      <Terms xmlns="http://schemas.microsoft.com/office/infopath/2007/PartnerControls"/>
+    </LocalizationTagsTaxHTField0>
+    <LocMarketGroupTiers2 xmlns="4873beb7-5857-4685-be1f-d57550cc96cc" xsi:nil="true"/>
+  </documentManagement>
+</p:properties>
+</file>
+
+<file path=customXml/item2.xml><?xml version="1.0" encoding="utf-8"?>
 <ct:contentTypeSchema xmlns:ct="http://schemas.microsoft.com/office/2006/metadata/contentType" xmlns:ma="http://schemas.microsoft.com/office/2006/metadata/properties/metaAttributes" ct:_="" ma:_="" ma:contentTypeName="TemplateFile" ma:contentTypeID="0x0101006EDDDB5EE6D98C44930B742096920B300400F5B6D36B3EF94B4E9A635CDF2A18F5B8" ma:contentTypeVersion="72" ma:contentTypeDescription="Create a new document." ma:contentTypeScope="" ma:versionID="a23e56308344d904b51738559c3d67c9">
   <xsd:schema xmlns:xsd="http://www.w3.org/2001/XMLSchema" xmlns:xs="http://www.w3.org/2001/XMLSchema" xmlns:p="http://schemas.microsoft.com/office/2006/metadata/properties" xmlns:ns2="4873beb7-5857-4685-be1f-d57550cc96cc" targetNamespace="http://schemas.microsoft.com/office/2006/metadata/properties" ma:root="true" ma:fieldsID="cd0908cc4600e77bf5da051303e00c8d" ns2:_="">
     <xsd:import namespace="4873beb7-5857-4685-be1f-d57550cc96cc"/>
@@ -6649,133 +8143,6 @@
 </ct:contentTypeSchema>
 </file>
 
-<file path=customXml/item2.xml><?xml version="1.0" encoding="utf-8"?>
-<p:properties xmlns:p="http://schemas.microsoft.com/office/2006/metadata/properties" xmlns:xsi="http://www.w3.org/2001/XMLSchema-instance" xmlns:pc="http://schemas.microsoft.com/office/infopath/2007/PartnerControls">
-  <documentManagement>
-    <DirectSourceMarket xmlns="4873beb7-5857-4685-be1f-d57550cc96cc" xsi:nil="true"/>
-    <ApprovalStatus xmlns="4873beb7-5857-4685-be1f-d57550cc96cc">InProgress</ApprovalStatus>
-    <MarketSpecific xmlns="4873beb7-5857-4685-be1f-d57550cc96cc">false</MarketSpecific>
-    <LocComments xmlns="4873beb7-5857-4685-be1f-d57550cc96cc" xsi:nil="true"/>
-    <ThumbnailAssetId xmlns="4873beb7-5857-4685-be1f-d57550cc96cc" xsi:nil="true"/>
-    <PrimaryImageGen xmlns="4873beb7-5857-4685-be1f-d57550cc96cc">true</PrimaryImageGen>
-    <LegacyData xmlns="4873beb7-5857-4685-be1f-d57550cc96cc" xsi:nil="true"/>
-    <LocRecommendedHandoff xmlns="4873beb7-5857-4685-be1f-d57550cc96cc" xsi:nil="true"/>
-    <BusinessGroup xmlns="4873beb7-5857-4685-be1f-d57550cc96cc" xsi:nil="true"/>
-    <BlockPublish xmlns="4873beb7-5857-4685-be1f-d57550cc96cc">false</BlockPublish>
-    <TPFriendlyName xmlns="4873beb7-5857-4685-be1f-d57550cc96cc" xsi:nil="true"/>
-    <NumericId xmlns="4873beb7-5857-4685-be1f-d57550cc96cc" xsi:nil="true"/>
-    <APEditor xmlns="4873beb7-5857-4685-be1f-d57550cc96cc">
-      <UserInfo>
-        <DisplayName/>
-        <AccountId xsi:nil="true"/>
-        <AccountType/>
-      </UserInfo>
-    </APEditor>
-    <SourceTitle xmlns="4873beb7-5857-4685-be1f-d57550cc96cc" xsi:nil="true"/>
-    <OpenTemplate xmlns="4873beb7-5857-4685-be1f-d57550cc96cc">true</OpenTemplate>
-    <UALocComments xmlns="4873beb7-5857-4685-be1f-d57550cc96cc" xsi:nil="true"/>
-    <ParentAssetId xmlns="4873beb7-5857-4685-be1f-d57550cc96cc" xsi:nil="true"/>
-    <IntlLangReviewDate xmlns="4873beb7-5857-4685-be1f-d57550cc96cc" xsi:nil="true"/>
-    <FeatureTagsTaxHTField0 xmlns="4873beb7-5857-4685-be1f-d57550cc96cc">
-      <Terms xmlns="http://schemas.microsoft.com/office/infopath/2007/PartnerControls"/>
-    </FeatureTagsTaxHTField0>
-    <PublishStatusLookup xmlns="4873beb7-5857-4685-be1f-d57550cc96cc">
-      <Value>1564227</Value>
-    </PublishStatusLookup>
-    <Providers xmlns="4873beb7-5857-4685-be1f-d57550cc96cc" xsi:nil="true"/>
-    <MachineTranslated xmlns="4873beb7-5857-4685-be1f-d57550cc96cc">false</MachineTranslated>
-    <OriginalSourceMarket xmlns="4873beb7-5857-4685-be1f-d57550cc96cc" xsi:nil="true"/>
-    <APDescription xmlns="4873beb7-5857-4685-be1f-d57550cc96cc">Take your audience through a digital tunnel where they'll  burst through to the other side and see the information you want to present. Show them lists, charts, tables, SmartArt,  and pictures using a variety of layouts in widescreen (16X9) format. This design works well for subjects on science and technology, computers, communication, and more.   
-</APDescription>
-    <ClipArtFilename xmlns="4873beb7-5857-4685-be1f-d57550cc96cc" xsi:nil="true"/>
-    <ContentItem xmlns="4873beb7-5857-4685-be1f-d57550cc96cc" xsi:nil="true"/>
-    <TPInstallLocation xmlns="4873beb7-5857-4685-be1f-d57550cc96cc" xsi:nil="true"/>
-    <PublishTargets xmlns="4873beb7-5857-4685-be1f-d57550cc96cc">OfficeOnlineVNext</PublishTargets>
-    <TimesCloned xmlns="4873beb7-5857-4685-be1f-d57550cc96cc" xsi:nil="true"/>
-    <AssetStart xmlns="4873beb7-5857-4685-be1f-d57550cc96cc">2012-05-11T02:04:00+00:00</AssetStart>
-    <Provider xmlns="4873beb7-5857-4685-be1f-d57550cc96cc" xsi:nil="true"/>
-    <AcquiredFrom xmlns="4873beb7-5857-4685-be1f-d57550cc96cc">Internal MS</AcquiredFrom>
-    <FriendlyTitle xmlns="4873beb7-5857-4685-be1f-d57550cc96cc" xsi:nil="true"/>
-    <LastHandOff xmlns="4873beb7-5857-4685-be1f-d57550cc96cc" xsi:nil="true"/>
-    <TPClientViewer xmlns="4873beb7-5857-4685-be1f-d57550cc96cc" xsi:nil="true"/>
-    <UACurrentWords xmlns="4873beb7-5857-4685-be1f-d57550cc96cc" xsi:nil="true"/>
-    <ArtSampleDocs xmlns="4873beb7-5857-4685-be1f-d57550cc96cc" xsi:nil="true"/>
-    <UALocRecommendation xmlns="4873beb7-5857-4685-be1f-d57550cc96cc">Localize</UALocRecommendation>
-    <Manager xmlns="4873beb7-5857-4685-be1f-d57550cc96cc" xsi:nil="true"/>
-    <ShowIn xmlns="4873beb7-5857-4685-be1f-d57550cc96cc">Show everywhere</ShowIn>
-    <UANotes xmlns="4873beb7-5857-4685-be1f-d57550cc96cc" xsi:nil="true"/>
-    <TemplateStatus xmlns="4873beb7-5857-4685-be1f-d57550cc96cc">Complete</TemplateStatus>
-    <InternalTagsTaxHTField0 xmlns="4873beb7-5857-4685-be1f-d57550cc96cc">
-      <Terms xmlns="http://schemas.microsoft.com/office/infopath/2007/PartnerControls"/>
-    </InternalTagsTaxHTField0>
-    <CSXHash xmlns="4873beb7-5857-4685-be1f-d57550cc96cc" xsi:nil="true"/>
-    <Downloads xmlns="4873beb7-5857-4685-be1f-d57550cc96cc">0</Downloads>
-    <VoteCount xmlns="4873beb7-5857-4685-be1f-d57550cc96cc" xsi:nil="true"/>
-    <OOCacheId xmlns="4873beb7-5857-4685-be1f-d57550cc96cc" xsi:nil="true"/>
-    <IsDeleted xmlns="4873beb7-5857-4685-be1f-d57550cc96cc">false</IsDeleted>
-    <AssetExpire xmlns="4873beb7-5857-4685-be1f-d57550cc96cc">2029-01-01T08:00:00+00:00</AssetExpire>
-    <DSATActionTaken xmlns="4873beb7-5857-4685-be1f-d57550cc96cc" xsi:nil="true"/>
-    <CSXSubmissionMarket xmlns="4873beb7-5857-4685-be1f-d57550cc96cc" xsi:nil="true"/>
-    <TPExecutable xmlns="4873beb7-5857-4685-be1f-d57550cc96cc" xsi:nil="true"/>
-    <SubmitterId xmlns="4873beb7-5857-4685-be1f-d57550cc96cc" xsi:nil="true"/>
-    <EditorialTags xmlns="4873beb7-5857-4685-be1f-d57550cc96cc" xsi:nil="true"/>
-    <ApprovalLog xmlns="4873beb7-5857-4685-be1f-d57550cc96cc" xsi:nil="true"/>
-    <AssetType xmlns="4873beb7-5857-4685-be1f-d57550cc96cc">TP</AssetType>
-    <BugNumber xmlns="4873beb7-5857-4685-be1f-d57550cc96cc" xsi:nil="true"/>
-    <CSXSubmissionDate xmlns="4873beb7-5857-4685-be1f-d57550cc96cc" xsi:nil="true"/>
-    <CSXUpdate xmlns="4873beb7-5857-4685-be1f-d57550cc96cc">false</CSXUpdate>
-    <Milestone xmlns="4873beb7-5857-4685-be1f-d57550cc96cc" xsi:nil="true"/>
-    <RecommendationsModifier xmlns="4873beb7-5857-4685-be1f-d57550cc96cc" xsi:nil="true"/>
-    <OriginAsset xmlns="4873beb7-5857-4685-be1f-d57550cc96cc" xsi:nil="true"/>
-    <TPComponent xmlns="4873beb7-5857-4685-be1f-d57550cc96cc" xsi:nil="true"/>
-    <AssetId xmlns="4873beb7-5857-4685-be1f-d57550cc96cc">TP102895246</AssetId>
-    <IntlLocPriority xmlns="4873beb7-5857-4685-be1f-d57550cc96cc" xsi:nil="true"/>
-    <PolicheckWords xmlns="4873beb7-5857-4685-be1f-d57550cc96cc" xsi:nil="true"/>
-    <TPLaunchHelpLink xmlns="4873beb7-5857-4685-be1f-d57550cc96cc" xsi:nil="true"/>
-    <TPApplication xmlns="4873beb7-5857-4685-be1f-d57550cc96cc" xsi:nil="true"/>
-    <CrawlForDependencies xmlns="4873beb7-5857-4685-be1f-d57550cc96cc">false</CrawlForDependencies>
-    <HandoffToMSDN xmlns="4873beb7-5857-4685-be1f-d57550cc96cc" xsi:nil="true"/>
-    <PlannedPubDate xmlns="4873beb7-5857-4685-be1f-d57550cc96cc" xsi:nil="true"/>
-    <IntlLangReviewer xmlns="4873beb7-5857-4685-be1f-d57550cc96cc" xsi:nil="true"/>
-    <TrustLevel xmlns="4873beb7-5857-4685-be1f-d57550cc96cc">1 Microsoft Managed Content</TrustLevel>
-    <LocLastLocAttemptVersionLookup xmlns="4873beb7-5857-4685-be1f-d57550cc96cc">835483</LocLastLocAttemptVersionLookup>
-    <IsSearchable xmlns="4873beb7-5857-4685-be1f-d57550cc96cc">true</IsSearchable>
-    <TemplateTemplateType xmlns="4873beb7-5857-4685-be1f-d57550cc96cc">PowerPoint Presentation Template</TemplateTemplateType>
-    <CampaignTagsTaxHTField0 xmlns="4873beb7-5857-4685-be1f-d57550cc96cc">
-      <Terms xmlns="http://schemas.microsoft.com/office/infopath/2007/PartnerControls"/>
-    </CampaignTagsTaxHTField0>
-    <TPNamespace xmlns="4873beb7-5857-4685-be1f-d57550cc96cc" xsi:nil="true"/>
-    <TaxCatchAll xmlns="4873beb7-5857-4685-be1f-d57550cc96cc"/>
-    <Markets xmlns="4873beb7-5857-4685-be1f-d57550cc96cc"/>
-    <UAProjectedTotalWords xmlns="4873beb7-5857-4685-be1f-d57550cc96cc" xsi:nil="true"/>
-    <IntlLangReview xmlns="4873beb7-5857-4685-be1f-d57550cc96cc">false</IntlLangReview>
-    <OutputCachingOn xmlns="4873beb7-5857-4685-be1f-d57550cc96cc">false</OutputCachingOn>
-    <AverageRating xmlns="4873beb7-5857-4685-be1f-d57550cc96cc" xsi:nil="true"/>
-    <APAuthor xmlns="4873beb7-5857-4685-be1f-d57550cc96cc">
-      <UserInfo>
-        <DisplayName>REDMOND\v-vaddu</DisplayName>
-        <AccountId>2567</AccountId>
-        <AccountType/>
-      </UserInfo>
-    </APAuthor>
-    <LocManualTestRequired xmlns="4873beb7-5857-4685-be1f-d57550cc96cc">false</LocManualTestRequired>
-    <TPCommandLine xmlns="4873beb7-5857-4685-be1f-d57550cc96cc" xsi:nil="true"/>
-    <TPAppVersion xmlns="4873beb7-5857-4685-be1f-d57550cc96cc" xsi:nil="true"/>
-    <EditorialStatus xmlns="4873beb7-5857-4685-be1f-d57550cc96cc">Complete</EditorialStatus>
-    <LastModifiedDateTime xmlns="4873beb7-5857-4685-be1f-d57550cc96cc" xsi:nil="true"/>
-    <ScenarioTagsTaxHTField0 xmlns="4873beb7-5857-4685-be1f-d57550cc96cc">
-      <Terms xmlns="http://schemas.microsoft.com/office/infopath/2007/PartnerControls"/>
-    </ScenarioTagsTaxHTField0>
-    <OriginalRelease xmlns="4873beb7-5857-4685-be1f-d57550cc96cc">15</OriginalRelease>
-    <TPLaunchHelpLinkType xmlns="4873beb7-5857-4685-be1f-d57550cc96cc">Template</TPLaunchHelpLinkType>
-    <LocalizationTagsTaxHTField0 xmlns="4873beb7-5857-4685-be1f-d57550cc96cc">
-      <Terms xmlns="http://schemas.microsoft.com/office/infopath/2007/PartnerControls"/>
-    </LocalizationTagsTaxHTField0>
-    <LocMarketGroupTiers2 xmlns="4873beb7-5857-4685-be1f-d57550cc96cc" xsi:nil="true"/>
-  </documentManagement>
-</p:properties>
-</file>
-
 <file path=customXml/item3.xml><?xml version="1.0" encoding="utf-8"?>
 <?mso-contentType ?>
 <FormTemplates xmlns="http://schemas.microsoft.com/sharepoint/v3/contenttype/forms">
@@ -6786,6 +8153,16 @@
 </file>
 
 <file path=customXml/itemProps1.xml><?xml version="1.0" encoding="utf-8"?>
+<ds:datastoreItem xmlns:ds="http://schemas.openxmlformats.org/officeDocument/2006/customXml" ds:itemID="{00E41224-0370-4595-877C-23316CD80004}">
+  <ds:schemaRefs>
+    <ds:schemaRef ds:uri="http://schemas.microsoft.com/office/2006/metadata/properties"/>
+    <ds:schemaRef ds:uri="http://schemas.microsoft.com/office/infopath/2007/PartnerControls"/>
+    <ds:schemaRef ds:uri="4873beb7-5857-4685-be1f-d57550cc96cc"/>
+  </ds:schemaRefs>
+</ds:datastoreItem>
+</file>
+
+<file path=customXml/itemProps2.xml><?xml version="1.0" encoding="utf-8"?>
 <ds:datastoreItem xmlns:ds="http://schemas.openxmlformats.org/officeDocument/2006/customXml" ds:itemID="{22CCB507-0646-4A50-A4F7-7F385079D589}">
   <ds:schemaRefs>
     <ds:schemaRef ds:uri="http://schemas.microsoft.com/office/2006/metadata/contentType"/>
@@ -6803,16 +8180,6 @@
 </ds:datastoreItem>
 </file>
 
-<file path=customXml/itemProps2.xml><?xml version="1.0" encoding="utf-8"?>
-<ds:datastoreItem xmlns:ds="http://schemas.openxmlformats.org/officeDocument/2006/customXml" ds:itemID="{00E41224-0370-4595-877C-23316CD80004}">
-  <ds:schemaRefs>
-    <ds:schemaRef ds:uri="http://schemas.microsoft.com/office/2006/metadata/properties"/>
-    <ds:schemaRef ds:uri="http://schemas.microsoft.com/office/infopath/2007/PartnerControls"/>
-    <ds:schemaRef ds:uri="4873beb7-5857-4685-be1f-d57550cc96cc"/>
-  </ds:schemaRefs>
-</ds:datastoreItem>
-</file>
-
 <file path=customXml/itemProps3.xml><?xml version="1.0" encoding="utf-8"?>
 <ds:datastoreItem xmlns:ds="http://schemas.openxmlformats.org/officeDocument/2006/customXml" ds:itemID="{74228E6B-D70C-44BB-A81F-A245495F612B}">
   <ds:schemaRefs>

--- a/administration/UniSport.pptx
+++ b/administration/UniSport.pptx
@@ -5,10 +5,10 @@
     <p:sldMasterId id="2147483648" r:id="rId4"/>
   </p:sldMasterIdLst>
   <p:notesMasterIdLst>
-    <p:notesMasterId r:id="rId10"/>
+    <p:notesMasterId r:id="rId11"/>
   </p:notesMasterIdLst>
   <p:handoutMasterIdLst>
-    <p:handoutMasterId r:id="rId11"/>
+    <p:handoutMasterId r:id="rId12"/>
   </p:handoutMasterIdLst>
   <p:sldIdLst>
     <p:sldId id="265" r:id="rId5"/>
@@ -16,11 +16,12 @@
     <p:sldId id="312" r:id="rId7"/>
     <p:sldId id="314" r:id="rId8"/>
     <p:sldId id="310" r:id="rId9"/>
+    <p:sldId id="315" r:id="rId10"/>
   </p:sldIdLst>
   <p:sldSz cx="12188825" cy="6858000"/>
   <p:notesSz cx="6858000" cy="9144000"/>
   <p:custDataLst>
-    <p:tags r:id="rId12"/>
+    <p:tags r:id="rId13"/>
   </p:custDataLst>
   <p:defaultTextStyle>
     <a:defPPr rtl="0">
@@ -6176,6 +6177,185 @@
     <p:extLst>
       <p:ext uri="{BB962C8B-B14F-4D97-AF65-F5344CB8AC3E}">
         <p14:creationId xmlns:p14="http://schemas.microsoft.com/office/powerpoint/2010/main" val="2139132589"/>
+      </p:ext>
+    </p:extLst>
+  </p:cSld>
+  <p:clrMapOvr>
+    <a:masterClrMapping/>
+  </p:clrMapOvr>
+  <mc:AlternateContent xmlns:mc="http://schemas.openxmlformats.org/markup-compatibility/2006" xmlns:p14="http://schemas.microsoft.com/office/powerpoint/2010/main">
+    <mc:Choice Requires="p14">
+      <p:transition spd="med" p14:dur="700">
+        <p:fade/>
+      </p:transition>
+    </mc:Choice>
+    <mc:Fallback xmlns="">
+      <p:transition spd="med">
+        <p:fade/>
+      </p:transition>
+    </mc:Fallback>
+  </mc:AlternateContent>
+</p:sld>
+</file>
+
+<file path=ppt/slides/slide6.xml><?xml version="1.0" encoding="utf-8"?>
+<p:sld xmlns:a="http://schemas.openxmlformats.org/drawingml/2006/main" xmlns:r="http://schemas.openxmlformats.org/officeDocument/2006/relationships" xmlns:p="http://schemas.openxmlformats.org/presentationml/2006/main">
+  <p:cSld>
+    <p:spTree>
+      <p:nvGrpSpPr>
+        <p:cNvPr id="1" name=""/>
+        <p:cNvGrpSpPr/>
+        <p:nvPr/>
+      </p:nvGrpSpPr>
+      <p:grpSpPr>
+        <a:xfrm>
+          <a:off x="0" y="0"/>
+          <a:ext cx="0" cy="0"/>
+          <a:chOff x="0" y="0"/>
+          <a:chExt cx="0" cy="0"/>
+        </a:xfrm>
+      </p:grpSpPr>
+      <p:sp>
+        <p:nvSpPr>
+          <p:cNvPr id="2" name="Titel 1">
+            <a:extLst>
+              <a:ext uri="{FF2B5EF4-FFF2-40B4-BE49-F238E27FC236}">
+                <a16:creationId xmlns:a16="http://schemas.microsoft.com/office/drawing/2014/main" id="{6F2BC515-101A-4947-AEA0-1FC703F25900}"/>
+              </a:ext>
+            </a:extLst>
+          </p:cNvPr>
+          <p:cNvSpPr>
+            <a:spLocks noGrp="1"/>
+          </p:cNvSpPr>
+          <p:nvPr>
+            <p:ph type="title"/>
+          </p:nvPr>
+        </p:nvSpPr>
+        <p:spPr/>
+        <p:txBody>
+          <a:bodyPr/>
+          <a:lstStyle/>
+          <a:p>
+            <a:pPr algn="ctr"/>
+            <a:r>
+              <a:rPr lang="de-DE" dirty="0"/>
+              <a:t>Q</a:t>
+            </a:r>
+            <a:r>
+              <a:rPr lang="en-CH" dirty="0"/>
+              <a:t>u</a:t>
+            </a:r>
+            <a:r>
+              <a:rPr lang="de-DE" dirty="0"/>
+              <a:t>e</a:t>
+            </a:r>
+            <a:r>
+              <a:rPr lang="en-CH" dirty="0"/>
+              <a:t>s</a:t>
+            </a:r>
+            <a:r>
+              <a:rPr lang="de-DE" dirty="0"/>
+              <a:t>t</a:t>
+            </a:r>
+            <a:r>
+              <a:rPr lang="en-CH" dirty="0" err="1"/>
+              <a:t>i</a:t>
+            </a:r>
+            <a:r>
+              <a:rPr lang="de-DE" dirty="0"/>
+              <a:t>o</a:t>
+            </a:r>
+            <a:r>
+              <a:rPr lang="en-CH" dirty="0"/>
+              <a:t>n</a:t>
+            </a:r>
+            <a:r>
+              <a:rPr lang="de-DE" dirty="0"/>
+              <a:t>s</a:t>
+            </a:r>
+            <a:r>
+              <a:rPr lang="en-CH" dirty="0"/>
+              <a:t> ???</a:t>
+            </a:r>
+          </a:p>
+        </p:txBody>
+      </p:sp>
+      <p:sp>
+        <p:nvSpPr>
+          <p:cNvPr id="3" name="Inhaltsplatzhalter 2">
+            <a:extLst>
+              <a:ext uri="{FF2B5EF4-FFF2-40B4-BE49-F238E27FC236}">
+                <a16:creationId xmlns:a16="http://schemas.microsoft.com/office/drawing/2014/main" id="{B2822447-6183-4752-9259-7F19F14A0FC0}"/>
+              </a:ext>
+            </a:extLst>
+          </p:cNvPr>
+          <p:cNvSpPr>
+            <a:spLocks noGrp="1"/>
+          </p:cNvSpPr>
+          <p:nvPr>
+            <p:ph idx="1"/>
+          </p:nvPr>
+        </p:nvSpPr>
+        <p:spPr/>
+        <p:txBody>
+          <a:bodyPr/>
+          <a:lstStyle/>
+          <a:p>
+            <a:endParaRPr lang="en-CH"/>
+          </a:p>
+        </p:txBody>
+      </p:sp>
+      <p:pic>
+        <p:nvPicPr>
+          <p:cNvPr id="1026" name="Picture 2" descr="Bildergebnis für questions">
+            <a:extLst>
+              <a:ext uri="{FF2B5EF4-FFF2-40B4-BE49-F238E27FC236}">
+                <a16:creationId xmlns:a16="http://schemas.microsoft.com/office/drawing/2014/main" id="{3A5EB400-158C-4398-8B9E-2B880E692887}"/>
+              </a:ext>
+            </a:extLst>
+          </p:cNvPr>
+          <p:cNvPicPr>
+            <a:picLocks noChangeAspect="1" noChangeArrowheads="1"/>
+          </p:cNvPicPr>
+          <p:nvPr/>
+        </p:nvPicPr>
+        <p:blipFill>
+          <a:blip r:embed="rId2">
+            <a:extLst>
+              <a:ext uri="{28A0092B-C50C-407E-A947-70E740481C1C}">
+                <a14:useLocalDpi xmlns:a14="http://schemas.microsoft.com/office/drawing/2010/main" val="0"/>
+              </a:ext>
+            </a:extLst>
+          </a:blip>
+          <a:srcRect/>
+          <a:stretch>
+            <a:fillRect/>
+          </a:stretch>
+        </p:blipFill>
+        <p:spPr bwMode="auto">
+          <a:xfrm>
+            <a:off x="2885252" y="1904999"/>
+            <a:ext cx="6408712" cy="4136532"/>
+          </a:xfrm>
+          <a:prstGeom prst="rect">
+            <a:avLst/>
+          </a:prstGeom>
+          <a:noFill/>
+          <a:extLst>
+            <a:ext uri="{909E8E84-426E-40DD-AFC4-6F175D3DCCD1}">
+              <a14:hiddenFill xmlns:a14="http://schemas.microsoft.com/office/drawing/2010/main">
+                <a:solidFill>
+                  <a:srgbClr val="FFFFFF"/>
+                </a:solidFill>
+              </a14:hiddenFill>
+            </a:ext>
+          </a:extLst>
+        </p:spPr>
+      </p:pic>
+    </p:spTree>
+    <p:extLst>
+      <p:ext uri="{BB962C8B-B14F-4D97-AF65-F5344CB8AC3E}">
+        <p14:creationId xmlns:p14="http://schemas.microsoft.com/office/powerpoint/2010/main" val="3181707939"/>
       </p:ext>
     </p:extLst>
   </p:cSld>
@@ -6977,130 +7157,12 @@
 </file>
 
 <file path=customXml/item1.xml><?xml version="1.0" encoding="utf-8"?>
-<p:properties xmlns:p="http://schemas.microsoft.com/office/2006/metadata/properties" xmlns:xsi="http://www.w3.org/2001/XMLSchema-instance" xmlns:pc="http://schemas.microsoft.com/office/infopath/2007/PartnerControls">
-  <documentManagement>
-    <DirectSourceMarket xmlns="4873beb7-5857-4685-be1f-d57550cc96cc" xsi:nil="true"/>
-    <ApprovalStatus xmlns="4873beb7-5857-4685-be1f-d57550cc96cc">InProgress</ApprovalStatus>
-    <MarketSpecific xmlns="4873beb7-5857-4685-be1f-d57550cc96cc">false</MarketSpecific>
-    <LocComments xmlns="4873beb7-5857-4685-be1f-d57550cc96cc" xsi:nil="true"/>
-    <ThumbnailAssetId xmlns="4873beb7-5857-4685-be1f-d57550cc96cc" xsi:nil="true"/>
-    <PrimaryImageGen xmlns="4873beb7-5857-4685-be1f-d57550cc96cc">true</PrimaryImageGen>
-    <LegacyData xmlns="4873beb7-5857-4685-be1f-d57550cc96cc" xsi:nil="true"/>
-    <LocRecommendedHandoff xmlns="4873beb7-5857-4685-be1f-d57550cc96cc" xsi:nil="true"/>
-    <BusinessGroup xmlns="4873beb7-5857-4685-be1f-d57550cc96cc" xsi:nil="true"/>
-    <BlockPublish xmlns="4873beb7-5857-4685-be1f-d57550cc96cc">false</BlockPublish>
-    <TPFriendlyName xmlns="4873beb7-5857-4685-be1f-d57550cc96cc" xsi:nil="true"/>
-    <NumericId xmlns="4873beb7-5857-4685-be1f-d57550cc96cc" xsi:nil="true"/>
-    <APEditor xmlns="4873beb7-5857-4685-be1f-d57550cc96cc">
-      <UserInfo>
-        <DisplayName/>
-        <AccountId xsi:nil="true"/>
-        <AccountType/>
-      </UserInfo>
-    </APEditor>
-    <SourceTitle xmlns="4873beb7-5857-4685-be1f-d57550cc96cc" xsi:nil="true"/>
-    <OpenTemplate xmlns="4873beb7-5857-4685-be1f-d57550cc96cc">true</OpenTemplate>
-    <UALocComments xmlns="4873beb7-5857-4685-be1f-d57550cc96cc" xsi:nil="true"/>
-    <ParentAssetId xmlns="4873beb7-5857-4685-be1f-d57550cc96cc" xsi:nil="true"/>
-    <IntlLangReviewDate xmlns="4873beb7-5857-4685-be1f-d57550cc96cc" xsi:nil="true"/>
-    <FeatureTagsTaxHTField0 xmlns="4873beb7-5857-4685-be1f-d57550cc96cc">
-      <Terms xmlns="http://schemas.microsoft.com/office/infopath/2007/PartnerControls"/>
-    </FeatureTagsTaxHTField0>
-    <PublishStatusLookup xmlns="4873beb7-5857-4685-be1f-d57550cc96cc">
-      <Value>1564227</Value>
-    </PublishStatusLookup>
-    <Providers xmlns="4873beb7-5857-4685-be1f-d57550cc96cc" xsi:nil="true"/>
-    <MachineTranslated xmlns="4873beb7-5857-4685-be1f-d57550cc96cc">false</MachineTranslated>
-    <OriginalSourceMarket xmlns="4873beb7-5857-4685-be1f-d57550cc96cc" xsi:nil="true"/>
-    <APDescription xmlns="4873beb7-5857-4685-be1f-d57550cc96cc">Take your audience through a digital tunnel where they'll  burst through to the other side and see the information you want to present. Show them lists, charts, tables, SmartArt,  and pictures using a variety of layouts in widescreen (16X9) format. This design works well for subjects on science and technology, computers, communication, and more.   
-</APDescription>
-    <ClipArtFilename xmlns="4873beb7-5857-4685-be1f-d57550cc96cc" xsi:nil="true"/>
-    <ContentItem xmlns="4873beb7-5857-4685-be1f-d57550cc96cc" xsi:nil="true"/>
-    <TPInstallLocation xmlns="4873beb7-5857-4685-be1f-d57550cc96cc" xsi:nil="true"/>
-    <PublishTargets xmlns="4873beb7-5857-4685-be1f-d57550cc96cc">OfficeOnlineVNext</PublishTargets>
-    <TimesCloned xmlns="4873beb7-5857-4685-be1f-d57550cc96cc" xsi:nil="true"/>
-    <AssetStart xmlns="4873beb7-5857-4685-be1f-d57550cc96cc">2012-05-11T02:04:00+00:00</AssetStart>
-    <Provider xmlns="4873beb7-5857-4685-be1f-d57550cc96cc" xsi:nil="true"/>
-    <AcquiredFrom xmlns="4873beb7-5857-4685-be1f-d57550cc96cc">Internal MS</AcquiredFrom>
-    <FriendlyTitle xmlns="4873beb7-5857-4685-be1f-d57550cc96cc" xsi:nil="true"/>
-    <LastHandOff xmlns="4873beb7-5857-4685-be1f-d57550cc96cc" xsi:nil="true"/>
-    <TPClientViewer xmlns="4873beb7-5857-4685-be1f-d57550cc96cc" xsi:nil="true"/>
-    <UACurrentWords xmlns="4873beb7-5857-4685-be1f-d57550cc96cc" xsi:nil="true"/>
-    <ArtSampleDocs xmlns="4873beb7-5857-4685-be1f-d57550cc96cc" xsi:nil="true"/>
-    <UALocRecommendation xmlns="4873beb7-5857-4685-be1f-d57550cc96cc">Localize</UALocRecommendation>
-    <Manager xmlns="4873beb7-5857-4685-be1f-d57550cc96cc" xsi:nil="true"/>
-    <ShowIn xmlns="4873beb7-5857-4685-be1f-d57550cc96cc">Show everywhere</ShowIn>
-    <UANotes xmlns="4873beb7-5857-4685-be1f-d57550cc96cc" xsi:nil="true"/>
-    <TemplateStatus xmlns="4873beb7-5857-4685-be1f-d57550cc96cc">Complete</TemplateStatus>
-    <InternalTagsTaxHTField0 xmlns="4873beb7-5857-4685-be1f-d57550cc96cc">
-      <Terms xmlns="http://schemas.microsoft.com/office/infopath/2007/PartnerControls"/>
-    </InternalTagsTaxHTField0>
-    <CSXHash xmlns="4873beb7-5857-4685-be1f-d57550cc96cc" xsi:nil="true"/>
-    <Downloads xmlns="4873beb7-5857-4685-be1f-d57550cc96cc">0</Downloads>
-    <VoteCount xmlns="4873beb7-5857-4685-be1f-d57550cc96cc" xsi:nil="true"/>
-    <OOCacheId xmlns="4873beb7-5857-4685-be1f-d57550cc96cc" xsi:nil="true"/>
-    <IsDeleted xmlns="4873beb7-5857-4685-be1f-d57550cc96cc">false</IsDeleted>
-    <AssetExpire xmlns="4873beb7-5857-4685-be1f-d57550cc96cc">2029-01-01T08:00:00+00:00</AssetExpire>
-    <DSATActionTaken xmlns="4873beb7-5857-4685-be1f-d57550cc96cc" xsi:nil="true"/>
-    <CSXSubmissionMarket xmlns="4873beb7-5857-4685-be1f-d57550cc96cc" xsi:nil="true"/>
-    <TPExecutable xmlns="4873beb7-5857-4685-be1f-d57550cc96cc" xsi:nil="true"/>
-    <SubmitterId xmlns="4873beb7-5857-4685-be1f-d57550cc96cc" xsi:nil="true"/>
-    <EditorialTags xmlns="4873beb7-5857-4685-be1f-d57550cc96cc" xsi:nil="true"/>
-    <ApprovalLog xmlns="4873beb7-5857-4685-be1f-d57550cc96cc" xsi:nil="true"/>
-    <AssetType xmlns="4873beb7-5857-4685-be1f-d57550cc96cc">TP</AssetType>
-    <BugNumber xmlns="4873beb7-5857-4685-be1f-d57550cc96cc" xsi:nil="true"/>
-    <CSXSubmissionDate xmlns="4873beb7-5857-4685-be1f-d57550cc96cc" xsi:nil="true"/>
-    <CSXUpdate xmlns="4873beb7-5857-4685-be1f-d57550cc96cc">false</CSXUpdate>
-    <Milestone xmlns="4873beb7-5857-4685-be1f-d57550cc96cc" xsi:nil="true"/>
-    <RecommendationsModifier xmlns="4873beb7-5857-4685-be1f-d57550cc96cc" xsi:nil="true"/>
-    <OriginAsset xmlns="4873beb7-5857-4685-be1f-d57550cc96cc" xsi:nil="true"/>
-    <TPComponent xmlns="4873beb7-5857-4685-be1f-d57550cc96cc" xsi:nil="true"/>
-    <AssetId xmlns="4873beb7-5857-4685-be1f-d57550cc96cc">TP102895246</AssetId>
-    <IntlLocPriority xmlns="4873beb7-5857-4685-be1f-d57550cc96cc" xsi:nil="true"/>
-    <PolicheckWords xmlns="4873beb7-5857-4685-be1f-d57550cc96cc" xsi:nil="true"/>
-    <TPLaunchHelpLink xmlns="4873beb7-5857-4685-be1f-d57550cc96cc" xsi:nil="true"/>
-    <TPApplication xmlns="4873beb7-5857-4685-be1f-d57550cc96cc" xsi:nil="true"/>
-    <CrawlForDependencies xmlns="4873beb7-5857-4685-be1f-d57550cc96cc">false</CrawlForDependencies>
-    <HandoffToMSDN xmlns="4873beb7-5857-4685-be1f-d57550cc96cc" xsi:nil="true"/>
-    <PlannedPubDate xmlns="4873beb7-5857-4685-be1f-d57550cc96cc" xsi:nil="true"/>
-    <IntlLangReviewer xmlns="4873beb7-5857-4685-be1f-d57550cc96cc" xsi:nil="true"/>
-    <TrustLevel xmlns="4873beb7-5857-4685-be1f-d57550cc96cc">1 Microsoft Managed Content</TrustLevel>
-    <LocLastLocAttemptVersionLookup xmlns="4873beb7-5857-4685-be1f-d57550cc96cc">835483</LocLastLocAttemptVersionLookup>
-    <IsSearchable xmlns="4873beb7-5857-4685-be1f-d57550cc96cc">true</IsSearchable>
-    <TemplateTemplateType xmlns="4873beb7-5857-4685-be1f-d57550cc96cc">PowerPoint Presentation Template</TemplateTemplateType>
-    <CampaignTagsTaxHTField0 xmlns="4873beb7-5857-4685-be1f-d57550cc96cc">
-      <Terms xmlns="http://schemas.microsoft.com/office/infopath/2007/PartnerControls"/>
-    </CampaignTagsTaxHTField0>
-    <TPNamespace xmlns="4873beb7-5857-4685-be1f-d57550cc96cc" xsi:nil="true"/>
-    <TaxCatchAll xmlns="4873beb7-5857-4685-be1f-d57550cc96cc"/>
-    <Markets xmlns="4873beb7-5857-4685-be1f-d57550cc96cc"/>
-    <UAProjectedTotalWords xmlns="4873beb7-5857-4685-be1f-d57550cc96cc" xsi:nil="true"/>
-    <IntlLangReview xmlns="4873beb7-5857-4685-be1f-d57550cc96cc">false</IntlLangReview>
-    <OutputCachingOn xmlns="4873beb7-5857-4685-be1f-d57550cc96cc">false</OutputCachingOn>
-    <AverageRating xmlns="4873beb7-5857-4685-be1f-d57550cc96cc" xsi:nil="true"/>
-    <APAuthor xmlns="4873beb7-5857-4685-be1f-d57550cc96cc">
-      <UserInfo>
-        <DisplayName>REDMOND\v-vaddu</DisplayName>
-        <AccountId>2567</AccountId>
-        <AccountType/>
-      </UserInfo>
-    </APAuthor>
-    <LocManualTestRequired xmlns="4873beb7-5857-4685-be1f-d57550cc96cc">false</LocManualTestRequired>
-    <TPCommandLine xmlns="4873beb7-5857-4685-be1f-d57550cc96cc" xsi:nil="true"/>
-    <TPAppVersion xmlns="4873beb7-5857-4685-be1f-d57550cc96cc" xsi:nil="true"/>
-    <EditorialStatus xmlns="4873beb7-5857-4685-be1f-d57550cc96cc">Complete</EditorialStatus>
-    <LastModifiedDateTime xmlns="4873beb7-5857-4685-be1f-d57550cc96cc" xsi:nil="true"/>
-    <ScenarioTagsTaxHTField0 xmlns="4873beb7-5857-4685-be1f-d57550cc96cc">
-      <Terms xmlns="http://schemas.microsoft.com/office/infopath/2007/PartnerControls"/>
-    </ScenarioTagsTaxHTField0>
-    <OriginalRelease xmlns="4873beb7-5857-4685-be1f-d57550cc96cc">15</OriginalRelease>
-    <TPLaunchHelpLinkType xmlns="4873beb7-5857-4685-be1f-d57550cc96cc">Template</TPLaunchHelpLinkType>
-    <LocalizationTagsTaxHTField0 xmlns="4873beb7-5857-4685-be1f-d57550cc96cc">
-      <Terms xmlns="http://schemas.microsoft.com/office/infopath/2007/PartnerControls"/>
-    </LocalizationTagsTaxHTField0>
-    <LocMarketGroupTiers2 xmlns="4873beb7-5857-4685-be1f-d57550cc96cc" xsi:nil="true"/>
-  </documentManagement>
-</p:properties>
+<?mso-contentType ?>
+<FormTemplates xmlns="http://schemas.microsoft.com/sharepoint/v3/contenttype/forms">
+  <Display>DocumentLibraryForm</Display>
+  <Edit>AssetEditForm</Edit>
+  <New>DocumentLibraryForm</New>
+</FormTemplates>
 </file>
 
 <file path=customXml/item2.xml><?xml version="1.0" encoding="utf-8"?>
@@ -8144,20 +8206,136 @@
 </file>
 
 <file path=customXml/item3.xml><?xml version="1.0" encoding="utf-8"?>
-<?mso-contentType ?>
-<FormTemplates xmlns="http://schemas.microsoft.com/sharepoint/v3/contenttype/forms">
-  <Display>DocumentLibraryForm</Display>
-  <Edit>AssetEditForm</Edit>
-  <New>DocumentLibraryForm</New>
-</FormTemplates>
+<p:properties xmlns:p="http://schemas.microsoft.com/office/2006/metadata/properties" xmlns:xsi="http://www.w3.org/2001/XMLSchema-instance" xmlns:pc="http://schemas.microsoft.com/office/infopath/2007/PartnerControls">
+  <documentManagement>
+    <DirectSourceMarket xmlns="4873beb7-5857-4685-be1f-d57550cc96cc" xsi:nil="true"/>
+    <ApprovalStatus xmlns="4873beb7-5857-4685-be1f-d57550cc96cc">InProgress</ApprovalStatus>
+    <MarketSpecific xmlns="4873beb7-5857-4685-be1f-d57550cc96cc">false</MarketSpecific>
+    <LocComments xmlns="4873beb7-5857-4685-be1f-d57550cc96cc" xsi:nil="true"/>
+    <ThumbnailAssetId xmlns="4873beb7-5857-4685-be1f-d57550cc96cc" xsi:nil="true"/>
+    <PrimaryImageGen xmlns="4873beb7-5857-4685-be1f-d57550cc96cc">true</PrimaryImageGen>
+    <LegacyData xmlns="4873beb7-5857-4685-be1f-d57550cc96cc" xsi:nil="true"/>
+    <LocRecommendedHandoff xmlns="4873beb7-5857-4685-be1f-d57550cc96cc" xsi:nil="true"/>
+    <BusinessGroup xmlns="4873beb7-5857-4685-be1f-d57550cc96cc" xsi:nil="true"/>
+    <BlockPublish xmlns="4873beb7-5857-4685-be1f-d57550cc96cc">false</BlockPublish>
+    <TPFriendlyName xmlns="4873beb7-5857-4685-be1f-d57550cc96cc" xsi:nil="true"/>
+    <NumericId xmlns="4873beb7-5857-4685-be1f-d57550cc96cc" xsi:nil="true"/>
+    <APEditor xmlns="4873beb7-5857-4685-be1f-d57550cc96cc">
+      <UserInfo>
+        <DisplayName/>
+        <AccountId xsi:nil="true"/>
+        <AccountType/>
+      </UserInfo>
+    </APEditor>
+    <SourceTitle xmlns="4873beb7-5857-4685-be1f-d57550cc96cc" xsi:nil="true"/>
+    <OpenTemplate xmlns="4873beb7-5857-4685-be1f-d57550cc96cc">true</OpenTemplate>
+    <UALocComments xmlns="4873beb7-5857-4685-be1f-d57550cc96cc" xsi:nil="true"/>
+    <ParentAssetId xmlns="4873beb7-5857-4685-be1f-d57550cc96cc" xsi:nil="true"/>
+    <IntlLangReviewDate xmlns="4873beb7-5857-4685-be1f-d57550cc96cc" xsi:nil="true"/>
+    <FeatureTagsTaxHTField0 xmlns="4873beb7-5857-4685-be1f-d57550cc96cc">
+      <Terms xmlns="http://schemas.microsoft.com/office/infopath/2007/PartnerControls"/>
+    </FeatureTagsTaxHTField0>
+    <PublishStatusLookup xmlns="4873beb7-5857-4685-be1f-d57550cc96cc">
+      <Value>1564227</Value>
+    </PublishStatusLookup>
+    <Providers xmlns="4873beb7-5857-4685-be1f-d57550cc96cc" xsi:nil="true"/>
+    <MachineTranslated xmlns="4873beb7-5857-4685-be1f-d57550cc96cc">false</MachineTranslated>
+    <OriginalSourceMarket xmlns="4873beb7-5857-4685-be1f-d57550cc96cc" xsi:nil="true"/>
+    <APDescription xmlns="4873beb7-5857-4685-be1f-d57550cc96cc">Take your audience through a digital tunnel where they'll  burst through to the other side and see the information you want to present. Show them lists, charts, tables, SmartArt,  and pictures using a variety of layouts in widescreen (16X9) format. This design works well for subjects on science and technology, computers, communication, and more.   
+</APDescription>
+    <ClipArtFilename xmlns="4873beb7-5857-4685-be1f-d57550cc96cc" xsi:nil="true"/>
+    <ContentItem xmlns="4873beb7-5857-4685-be1f-d57550cc96cc" xsi:nil="true"/>
+    <TPInstallLocation xmlns="4873beb7-5857-4685-be1f-d57550cc96cc" xsi:nil="true"/>
+    <PublishTargets xmlns="4873beb7-5857-4685-be1f-d57550cc96cc">OfficeOnlineVNext</PublishTargets>
+    <TimesCloned xmlns="4873beb7-5857-4685-be1f-d57550cc96cc" xsi:nil="true"/>
+    <AssetStart xmlns="4873beb7-5857-4685-be1f-d57550cc96cc">2012-05-11T02:04:00+00:00</AssetStart>
+    <Provider xmlns="4873beb7-5857-4685-be1f-d57550cc96cc" xsi:nil="true"/>
+    <AcquiredFrom xmlns="4873beb7-5857-4685-be1f-d57550cc96cc">Internal MS</AcquiredFrom>
+    <FriendlyTitle xmlns="4873beb7-5857-4685-be1f-d57550cc96cc" xsi:nil="true"/>
+    <LastHandOff xmlns="4873beb7-5857-4685-be1f-d57550cc96cc" xsi:nil="true"/>
+    <TPClientViewer xmlns="4873beb7-5857-4685-be1f-d57550cc96cc" xsi:nil="true"/>
+    <UACurrentWords xmlns="4873beb7-5857-4685-be1f-d57550cc96cc" xsi:nil="true"/>
+    <ArtSampleDocs xmlns="4873beb7-5857-4685-be1f-d57550cc96cc" xsi:nil="true"/>
+    <UALocRecommendation xmlns="4873beb7-5857-4685-be1f-d57550cc96cc">Localize</UALocRecommendation>
+    <Manager xmlns="4873beb7-5857-4685-be1f-d57550cc96cc" xsi:nil="true"/>
+    <ShowIn xmlns="4873beb7-5857-4685-be1f-d57550cc96cc">Show everywhere</ShowIn>
+    <UANotes xmlns="4873beb7-5857-4685-be1f-d57550cc96cc" xsi:nil="true"/>
+    <TemplateStatus xmlns="4873beb7-5857-4685-be1f-d57550cc96cc">Complete</TemplateStatus>
+    <InternalTagsTaxHTField0 xmlns="4873beb7-5857-4685-be1f-d57550cc96cc">
+      <Terms xmlns="http://schemas.microsoft.com/office/infopath/2007/PartnerControls"/>
+    </InternalTagsTaxHTField0>
+    <CSXHash xmlns="4873beb7-5857-4685-be1f-d57550cc96cc" xsi:nil="true"/>
+    <Downloads xmlns="4873beb7-5857-4685-be1f-d57550cc96cc">0</Downloads>
+    <VoteCount xmlns="4873beb7-5857-4685-be1f-d57550cc96cc" xsi:nil="true"/>
+    <OOCacheId xmlns="4873beb7-5857-4685-be1f-d57550cc96cc" xsi:nil="true"/>
+    <IsDeleted xmlns="4873beb7-5857-4685-be1f-d57550cc96cc">false</IsDeleted>
+    <AssetExpire xmlns="4873beb7-5857-4685-be1f-d57550cc96cc">2029-01-01T08:00:00+00:00</AssetExpire>
+    <DSATActionTaken xmlns="4873beb7-5857-4685-be1f-d57550cc96cc" xsi:nil="true"/>
+    <CSXSubmissionMarket xmlns="4873beb7-5857-4685-be1f-d57550cc96cc" xsi:nil="true"/>
+    <TPExecutable xmlns="4873beb7-5857-4685-be1f-d57550cc96cc" xsi:nil="true"/>
+    <SubmitterId xmlns="4873beb7-5857-4685-be1f-d57550cc96cc" xsi:nil="true"/>
+    <EditorialTags xmlns="4873beb7-5857-4685-be1f-d57550cc96cc" xsi:nil="true"/>
+    <ApprovalLog xmlns="4873beb7-5857-4685-be1f-d57550cc96cc" xsi:nil="true"/>
+    <AssetType xmlns="4873beb7-5857-4685-be1f-d57550cc96cc">TP</AssetType>
+    <BugNumber xmlns="4873beb7-5857-4685-be1f-d57550cc96cc" xsi:nil="true"/>
+    <CSXSubmissionDate xmlns="4873beb7-5857-4685-be1f-d57550cc96cc" xsi:nil="true"/>
+    <CSXUpdate xmlns="4873beb7-5857-4685-be1f-d57550cc96cc">false</CSXUpdate>
+    <Milestone xmlns="4873beb7-5857-4685-be1f-d57550cc96cc" xsi:nil="true"/>
+    <RecommendationsModifier xmlns="4873beb7-5857-4685-be1f-d57550cc96cc" xsi:nil="true"/>
+    <OriginAsset xmlns="4873beb7-5857-4685-be1f-d57550cc96cc" xsi:nil="true"/>
+    <TPComponent xmlns="4873beb7-5857-4685-be1f-d57550cc96cc" xsi:nil="true"/>
+    <AssetId xmlns="4873beb7-5857-4685-be1f-d57550cc96cc">TP102895246</AssetId>
+    <IntlLocPriority xmlns="4873beb7-5857-4685-be1f-d57550cc96cc" xsi:nil="true"/>
+    <PolicheckWords xmlns="4873beb7-5857-4685-be1f-d57550cc96cc" xsi:nil="true"/>
+    <TPLaunchHelpLink xmlns="4873beb7-5857-4685-be1f-d57550cc96cc" xsi:nil="true"/>
+    <TPApplication xmlns="4873beb7-5857-4685-be1f-d57550cc96cc" xsi:nil="true"/>
+    <CrawlForDependencies xmlns="4873beb7-5857-4685-be1f-d57550cc96cc">false</CrawlForDependencies>
+    <HandoffToMSDN xmlns="4873beb7-5857-4685-be1f-d57550cc96cc" xsi:nil="true"/>
+    <PlannedPubDate xmlns="4873beb7-5857-4685-be1f-d57550cc96cc" xsi:nil="true"/>
+    <IntlLangReviewer xmlns="4873beb7-5857-4685-be1f-d57550cc96cc" xsi:nil="true"/>
+    <TrustLevel xmlns="4873beb7-5857-4685-be1f-d57550cc96cc">1 Microsoft Managed Content</TrustLevel>
+    <LocLastLocAttemptVersionLookup xmlns="4873beb7-5857-4685-be1f-d57550cc96cc">835483</LocLastLocAttemptVersionLookup>
+    <IsSearchable xmlns="4873beb7-5857-4685-be1f-d57550cc96cc">true</IsSearchable>
+    <TemplateTemplateType xmlns="4873beb7-5857-4685-be1f-d57550cc96cc">PowerPoint Presentation Template</TemplateTemplateType>
+    <CampaignTagsTaxHTField0 xmlns="4873beb7-5857-4685-be1f-d57550cc96cc">
+      <Terms xmlns="http://schemas.microsoft.com/office/infopath/2007/PartnerControls"/>
+    </CampaignTagsTaxHTField0>
+    <TPNamespace xmlns="4873beb7-5857-4685-be1f-d57550cc96cc" xsi:nil="true"/>
+    <TaxCatchAll xmlns="4873beb7-5857-4685-be1f-d57550cc96cc"/>
+    <Markets xmlns="4873beb7-5857-4685-be1f-d57550cc96cc"/>
+    <UAProjectedTotalWords xmlns="4873beb7-5857-4685-be1f-d57550cc96cc" xsi:nil="true"/>
+    <IntlLangReview xmlns="4873beb7-5857-4685-be1f-d57550cc96cc">false</IntlLangReview>
+    <OutputCachingOn xmlns="4873beb7-5857-4685-be1f-d57550cc96cc">false</OutputCachingOn>
+    <AverageRating xmlns="4873beb7-5857-4685-be1f-d57550cc96cc" xsi:nil="true"/>
+    <APAuthor xmlns="4873beb7-5857-4685-be1f-d57550cc96cc">
+      <UserInfo>
+        <DisplayName>REDMOND\v-vaddu</DisplayName>
+        <AccountId>2567</AccountId>
+        <AccountType/>
+      </UserInfo>
+    </APAuthor>
+    <LocManualTestRequired xmlns="4873beb7-5857-4685-be1f-d57550cc96cc">false</LocManualTestRequired>
+    <TPCommandLine xmlns="4873beb7-5857-4685-be1f-d57550cc96cc" xsi:nil="true"/>
+    <TPAppVersion xmlns="4873beb7-5857-4685-be1f-d57550cc96cc" xsi:nil="true"/>
+    <EditorialStatus xmlns="4873beb7-5857-4685-be1f-d57550cc96cc">Complete</EditorialStatus>
+    <LastModifiedDateTime xmlns="4873beb7-5857-4685-be1f-d57550cc96cc" xsi:nil="true"/>
+    <ScenarioTagsTaxHTField0 xmlns="4873beb7-5857-4685-be1f-d57550cc96cc">
+      <Terms xmlns="http://schemas.microsoft.com/office/infopath/2007/PartnerControls"/>
+    </ScenarioTagsTaxHTField0>
+    <OriginalRelease xmlns="4873beb7-5857-4685-be1f-d57550cc96cc">15</OriginalRelease>
+    <TPLaunchHelpLinkType xmlns="4873beb7-5857-4685-be1f-d57550cc96cc">Template</TPLaunchHelpLinkType>
+    <LocalizationTagsTaxHTField0 xmlns="4873beb7-5857-4685-be1f-d57550cc96cc">
+      <Terms xmlns="http://schemas.microsoft.com/office/infopath/2007/PartnerControls"/>
+    </LocalizationTagsTaxHTField0>
+    <LocMarketGroupTiers2 xmlns="4873beb7-5857-4685-be1f-d57550cc96cc" xsi:nil="true"/>
+  </documentManagement>
+</p:properties>
 </file>
 
 <file path=customXml/itemProps1.xml><?xml version="1.0" encoding="utf-8"?>
-<ds:datastoreItem xmlns:ds="http://schemas.openxmlformats.org/officeDocument/2006/customXml" ds:itemID="{00E41224-0370-4595-877C-23316CD80004}">
+<ds:datastoreItem xmlns:ds="http://schemas.openxmlformats.org/officeDocument/2006/customXml" ds:itemID="{74228E6B-D70C-44BB-A81F-A245495F612B}">
   <ds:schemaRefs>
-    <ds:schemaRef ds:uri="http://schemas.microsoft.com/office/2006/metadata/properties"/>
-    <ds:schemaRef ds:uri="http://schemas.microsoft.com/office/infopath/2007/PartnerControls"/>
-    <ds:schemaRef ds:uri="4873beb7-5857-4685-be1f-d57550cc96cc"/>
+    <ds:schemaRef ds:uri="http://schemas.microsoft.com/sharepoint/v3/contenttype/forms"/>
   </ds:schemaRefs>
 </ds:datastoreItem>
 </file>
@@ -8181,9 +8359,11 @@
 </file>
 
 <file path=customXml/itemProps3.xml><?xml version="1.0" encoding="utf-8"?>
-<ds:datastoreItem xmlns:ds="http://schemas.openxmlformats.org/officeDocument/2006/customXml" ds:itemID="{74228E6B-D70C-44BB-A81F-A245495F612B}">
+<ds:datastoreItem xmlns:ds="http://schemas.openxmlformats.org/officeDocument/2006/customXml" ds:itemID="{00E41224-0370-4595-877C-23316CD80004}">
   <ds:schemaRefs>
-    <ds:schemaRef ds:uri="http://schemas.microsoft.com/sharepoint/v3/contenttype/forms"/>
+    <ds:schemaRef ds:uri="http://schemas.microsoft.com/office/2006/metadata/properties"/>
+    <ds:schemaRef ds:uri="http://schemas.microsoft.com/office/infopath/2007/PartnerControls"/>
+    <ds:schemaRef ds:uri="4873beb7-5857-4685-be1f-d57550cc96cc"/>
   </ds:schemaRefs>
 </ds:datastoreItem>
 </file>